--- a/pptx/pbo-pertemuan-1.pptx
+++ b/pptx/pbo-pertemuan-1.pptx
@@ -6,34 +6,32 @@
   </p:sldMasterIdLst>
   <p:sldIdLst>
     <p:sldId id="256" r:id="rId3"/>
-    <p:sldId id="257" r:id="rId4"/>
-    <p:sldId id="259" r:id="rId5"/>
-    <p:sldId id="258" r:id="rId6"/>
-    <p:sldId id="273" r:id="rId7"/>
-    <p:sldId id="286" r:id="rId8"/>
-    <p:sldId id="310" r:id="rId9"/>
-    <p:sldId id="288" r:id="rId10"/>
-    <p:sldId id="287" r:id="rId11"/>
-    <p:sldId id="289" r:id="rId12"/>
-    <p:sldId id="290" r:id="rId13"/>
-    <p:sldId id="291" r:id="rId14"/>
-    <p:sldId id="292" r:id="rId15"/>
-    <p:sldId id="261" r:id="rId16"/>
-    <p:sldId id="293" r:id="rId17"/>
-    <p:sldId id="294" r:id="rId18"/>
-    <p:sldId id="295" r:id="rId19"/>
-    <p:sldId id="262" r:id="rId20"/>
-    <p:sldId id="263" r:id="rId21"/>
-    <p:sldId id="264" r:id="rId22"/>
-    <p:sldId id="265" r:id="rId23"/>
-    <p:sldId id="285" r:id="rId24"/>
-    <p:sldId id="266" r:id="rId25"/>
-    <p:sldId id="267" r:id="rId26"/>
-    <p:sldId id="268" r:id="rId27"/>
-    <p:sldId id="269" r:id="rId28"/>
-    <p:sldId id="296" r:id="rId29"/>
-    <p:sldId id="271" r:id="rId30"/>
-    <p:sldId id="270" r:id="rId31"/>
+    <p:sldId id="335" r:id="rId4"/>
+    <p:sldId id="333" r:id="rId5"/>
+    <p:sldId id="334" r:id="rId6"/>
+    <p:sldId id="336" r:id="rId7"/>
+    <p:sldId id="337" r:id="rId8"/>
+    <p:sldId id="338" r:id="rId9"/>
+    <p:sldId id="339" r:id="rId10"/>
+    <p:sldId id="259" r:id="rId11"/>
+    <p:sldId id="258" r:id="rId12"/>
+    <p:sldId id="340" r:id="rId13"/>
+    <p:sldId id="273" r:id="rId14"/>
+    <p:sldId id="286" r:id="rId15"/>
+    <p:sldId id="310" r:id="rId16"/>
+    <p:sldId id="342" r:id="rId17"/>
+    <p:sldId id="341" r:id="rId18"/>
+    <p:sldId id="343" r:id="rId19"/>
+    <p:sldId id="261" r:id="rId20"/>
+    <p:sldId id="262" r:id="rId21"/>
+    <p:sldId id="265" r:id="rId22"/>
+    <p:sldId id="263" r:id="rId23"/>
+    <p:sldId id="264" r:id="rId24"/>
+    <p:sldId id="345" r:id="rId25"/>
+    <p:sldId id="285" r:id="rId26"/>
+    <p:sldId id="269" r:id="rId27"/>
+    <p:sldId id="296" r:id="rId28"/>
+    <p:sldId id="271" r:id="rId29"/>
   </p:sldIdLst>
   <p:sldSz cx="12192000" cy="6858000"/>
   <p:notesSz cx="6858000" cy="9144000"/>
@@ -136,8 +134,16 @@
 </file>
 
 <file path=ppt/slideLayouts/slideLayout1.xml><?xml version="1.0" encoding="utf-8"?>
-<p:sldLayout xmlns:a="http://schemas.openxmlformats.org/drawingml/2006/main" xmlns:r="http://schemas.openxmlformats.org/officeDocument/2006/relationships" xmlns:p="http://schemas.openxmlformats.org/presentationml/2006/main" type="title" preserve="1">
+<p:sldLayout xmlns:a="http://schemas.openxmlformats.org/drawingml/2006/main" xmlns:r="http://schemas.openxmlformats.org/officeDocument/2006/relationships" xmlns:p="http://schemas.openxmlformats.org/presentationml/2006/main" type="title" preserve="1" showMasterSp="0">
   <p:cSld name="Title Slide">
+    <p:bg>
+      <p:bgPr>
+        <a:solidFill>
+          <a:schemeClr val="bg1"/>
+        </a:solidFill>
+        <a:effectLst/>
+      </p:bgPr>
+    </p:bg>
     <p:spTree>
       <p:nvGrpSpPr>
         <p:cNvPr id="1" name=""/>
@@ -152,43 +158,72 @@
           <a:chExt cx="0" cy="0"/>
         </a:xfrm>
       </p:grpSpPr>
-      <p:sp>
-        <p:nvSpPr>
-          <p:cNvPr id="2" name="Title 1"/>
-          <p:cNvSpPr>
-            <a:spLocks noGrp="1"/>
-          </p:cNvSpPr>
-          <p:nvPr>
-            <p:ph type="ctrTitle"/>
-          </p:nvPr>
-        </p:nvSpPr>
+      <p:pic>
+        <p:nvPicPr>
+          <p:cNvPr id="2050" name="Picture 2"/>
+          <p:cNvPicPr>
+            <a:picLocks noChangeAspect="1"/>
+          </p:cNvPicPr>
+          <p:nvPr/>
+        </p:nvPicPr>
+        <p:blipFill>
+          <a:blip r:embed="rId2"/>
+          <a:stretch>
+            <a:fillRect/>
+          </a:stretch>
+        </p:blipFill>
         <p:spPr>
           <a:xfrm>
-            <a:off x="1524000" y="1122363"/>
-            <a:ext cx="9144000" cy="2387600"/>
+            <a:off x="0" y="0"/>
+            <a:ext cx="12192000" cy="6858000"/>
+          </a:xfrm>
+          <a:prstGeom prst="rect">
+            <a:avLst/>
+          </a:prstGeom>
+          <a:noFill/>
+          <a:ln w="9525">
+            <a:noFill/>
+          </a:ln>
+        </p:spPr>
+      </p:pic>
+      <p:sp>
+        <p:nvSpPr>
+          <p:cNvPr id="2051" name="Rectangle 3"/>
+          <p:cNvSpPr>
+            <a:spLocks noGrp="1" noChangeArrowheads="1"/>
+          </p:cNvSpPr>
+          <p:nvPr>
+            <p:ph type="ctrTitle"/>
+          </p:nvPr>
+        </p:nvSpPr>
+        <p:spPr>
+          <a:xfrm>
+            <a:off x="2063751" y="1701800"/>
+            <a:ext cx="9211733" cy="1082675"/>
           </a:xfrm>
         </p:spPr>
         <p:txBody>
-          <a:bodyPr anchor="b"/>
+          <a:bodyPr/>
           <a:lstStyle>
-            <a:lvl1pPr algn="ctr">
-              <a:defRPr sz="6000"/>
+            <a:lvl1pPr algn="r">
+              <a:defRPr/>
             </a:lvl1pPr>
           </a:lstStyle>
           <a:p>
-            <a:r>
-              <a:rPr lang="en-US" smtClean="0"/>
+            <a:pPr lvl="0"/>
+            <a:r>
+              <a:rPr lang="en-US" altLang="zh-CN" noProof="0" smtClean="0"/>
               <a:t>Click to edit Master title style</a:t>
             </a:r>
-            <a:endParaRPr lang="en-US"/>
-          </a:p>
-        </p:txBody>
-      </p:sp>
-      <p:sp>
-        <p:nvSpPr>
-          <p:cNvPr id="3" name="Subtitle 2"/>
-          <p:cNvSpPr>
-            <a:spLocks noGrp="1"/>
+            <a:endParaRPr lang="en-US" altLang="zh-CN" noProof="0" smtClean="0"/>
+          </a:p>
+        </p:txBody>
+      </p:sp>
+      <p:sp>
+        <p:nvSpPr>
+          <p:cNvPr id="2052" name="Rectangle 4"/>
+          <p:cNvSpPr>
+            <a:spLocks noGrp="1" noChangeArrowheads="1"/>
           </p:cNvSpPr>
           <p:nvPr>
             <p:ph type="subTitle" idx="1"/>
@@ -196,73 +231,84 @@
         </p:nvSpPr>
         <p:spPr>
           <a:xfrm>
-            <a:off x="1524000" y="3602038"/>
-            <a:ext cx="9144000" cy="1655762"/>
+            <a:off x="2063751" y="2927350"/>
+            <a:ext cx="9218083" cy="1752600"/>
           </a:xfrm>
         </p:spPr>
         <p:txBody>
           <a:bodyPr/>
           <a:lstStyle>
-            <a:lvl1pPr marL="0" indent="0" algn="ctr">
+            <a:lvl1pPr marL="0" indent="0" algn="r">
+              <a:buFontTx/>
               <a:buNone/>
-              <a:defRPr sz="2400"/>
+              <a:defRPr/>
             </a:lvl1pPr>
-            <a:lvl2pPr marL="457200" indent="0" algn="ctr">
-              <a:buNone/>
-              <a:defRPr sz="2000"/>
-            </a:lvl2pPr>
-            <a:lvl3pPr marL="914400" indent="0" algn="ctr">
-              <a:buNone/>
-              <a:defRPr sz="1800"/>
-            </a:lvl3pPr>
-            <a:lvl4pPr marL="1371600" indent="0" algn="ctr">
-              <a:buNone/>
-              <a:defRPr sz="1600"/>
-            </a:lvl4pPr>
-            <a:lvl5pPr marL="1828800" indent="0" algn="ctr">
-              <a:buNone/>
-              <a:defRPr sz="1600"/>
-            </a:lvl5pPr>
-            <a:lvl6pPr marL="2286000" indent="0" algn="ctr">
-              <a:buNone/>
-              <a:defRPr sz="1600"/>
-            </a:lvl6pPr>
-            <a:lvl7pPr marL="2743200" indent="0" algn="ctr">
-              <a:buNone/>
-              <a:defRPr sz="1600"/>
-            </a:lvl7pPr>
-            <a:lvl8pPr marL="3200400" indent="0" algn="ctr">
-              <a:buNone/>
-              <a:defRPr sz="1600"/>
-            </a:lvl8pPr>
-            <a:lvl9pPr marL="3657600" indent="0" algn="ctr">
-              <a:buNone/>
-              <a:defRPr sz="1600"/>
-            </a:lvl9pPr>
           </a:lstStyle>
           <a:p>
-            <a:r>
-              <a:rPr lang="en-US" smtClean="0"/>
+            <a:pPr lvl="0"/>
+            <a:r>
+              <a:rPr lang="en-US" altLang="zh-CN" noProof="0" smtClean="0"/>
               <a:t>Click to edit Master subtitle style</a:t>
             </a:r>
-            <a:endParaRPr lang="en-US"/>
-          </a:p>
-        </p:txBody>
-      </p:sp>
-      <p:sp>
-        <p:nvSpPr>
-          <p:cNvPr id="4" name="Date Placeholder 3"/>
-          <p:cNvSpPr>
-            <a:spLocks noGrp="1"/>
-          </p:cNvSpPr>
-          <p:nvPr>
-            <p:ph type="dt" sz="half" idx="10"/>
-          </p:nvPr>
-        </p:nvSpPr>
-        <p:spPr/>
-        <p:txBody>
-          <a:bodyPr/>
-          <a:lstStyle/>
+            <a:endParaRPr lang="en-US" altLang="zh-CN" noProof="0" smtClean="0"/>
+          </a:p>
+        </p:txBody>
+      </p:sp>
+      <p:sp>
+        <p:nvSpPr>
+          <p:cNvPr id="9" name="Rectangle 5"/>
+          <p:cNvSpPr>
+            <a:spLocks noGrp="1" noChangeArrowheads="1"/>
+          </p:cNvSpPr>
+          <p:nvPr>
+            <p:ph type="dt" sz="half" idx="2"/>
+          </p:nvPr>
+        </p:nvSpPr>
+        <p:spPr bwMode="auto">
+          <a:xfrm>
+            <a:off x="609600" y="6245225"/>
+            <a:ext cx="2844800" cy="476250"/>
+          </a:xfrm>
+          <a:prstGeom prst="rect">
+            <a:avLst/>
+          </a:prstGeom>
+          <a:noFill/>
+          <a:extLst>
+            <a:ext uri="{909E8E84-426E-40DD-AFC4-6F175D3DCCD1}">
+              <a14:hiddenFill xmlns:a14="http://schemas.microsoft.com/office/drawing/2010/main">
+                <a:solidFill>
+                  <a:schemeClr val="accent1"/>
+                </a:solidFill>
+              </a14:hiddenFill>
+            </a:ext>
+            <a:ext uri="{91240B29-F687-4F45-9708-019B960494DF}">
+              <a14:hiddenLine xmlns:a14="http://schemas.microsoft.com/office/drawing/2010/main" w="9525">
+                <a:solidFill>
+                  <a:srgbClr val="000000"/>
+                </a:solidFill>
+                <a:miter lim="800000"/>
+                <a:headEnd/>
+                <a:tailEnd/>
+              </a14:hiddenLine>
+            </a:ext>
+            <a:ext uri="{AF507438-7753-43E0-B8FC-AC1667EBCBE1}">
+              <a14:hiddenEffects xmlns:a14="http://schemas.microsoft.com/office/drawing/2010/main">
+                <a:effectLst>
+                  <a:outerShdw dist="35921" dir="2700000" algn="ctr" rotWithShape="0">
+                    <a:schemeClr val="bg2"/>
+                  </a:outerShdw>
+                </a:effectLst>
+              </a14:hiddenEffects>
+            </a:ext>
+          </a:extLst>
+        </p:spPr>
+        <p:txBody>
+          <a:bodyPr vert="horz" wrap="square" lIns="91440" tIns="45720" rIns="91440" bIns="45720" numCol="1" anchor="t" anchorCtr="0" compatLnSpc="1"/>
+          <a:lstStyle>
+            <a:lvl1pPr>
+              <a:defRPr/>
+            </a:lvl1pPr>
+          </a:lstStyle>
           <a:p>
             <a:fld id="{63A1C593-65D0-4073-BCC9-577B9352EA97}" type="datetimeFigureOut">
               <a:rPr lang="en-US" smtClean="0"/>
@@ -273,37 +319,119 @@
       </p:sp>
       <p:sp>
         <p:nvSpPr>
-          <p:cNvPr id="5" name="Footer Placeholder 4"/>
-          <p:cNvSpPr>
-            <a:spLocks noGrp="1"/>
-          </p:cNvSpPr>
-          <p:nvPr>
-            <p:ph type="ftr" sz="quarter" idx="11"/>
-          </p:nvPr>
-        </p:nvSpPr>
-        <p:spPr/>
-        <p:txBody>
-          <a:bodyPr/>
-          <a:lstStyle/>
-          <a:p>
-            <a:endParaRPr lang="en-US"/>
-          </a:p>
-        </p:txBody>
-      </p:sp>
-      <p:sp>
-        <p:nvSpPr>
-          <p:cNvPr id="6" name="Slide Number Placeholder 5"/>
-          <p:cNvSpPr>
-            <a:spLocks noGrp="1"/>
-          </p:cNvSpPr>
-          <p:nvPr>
-            <p:ph type="sldNum" sz="quarter" idx="12"/>
-          </p:nvPr>
-        </p:nvSpPr>
-        <p:spPr/>
-        <p:txBody>
-          <a:bodyPr/>
-          <a:lstStyle/>
+          <p:cNvPr id="10" name="Rectangle 6"/>
+          <p:cNvSpPr>
+            <a:spLocks noGrp="1" noChangeArrowheads="1"/>
+          </p:cNvSpPr>
+          <p:nvPr>
+            <p:ph type="ftr" sz="quarter" idx="3"/>
+          </p:nvPr>
+        </p:nvSpPr>
+        <p:spPr bwMode="auto">
+          <a:xfrm>
+            <a:off x="4165600" y="6245225"/>
+            <a:ext cx="3860800" cy="476250"/>
+          </a:xfrm>
+          <a:prstGeom prst="rect">
+            <a:avLst/>
+          </a:prstGeom>
+          <a:noFill/>
+          <a:extLst>
+            <a:ext uri="{909E8E84-426E-40DD-AFC4-6F175D3DCCD1}">
+              <a14:hiddenFill xmlns:a14="http://schemas.microsoft.com/office/drawing/2010/main">
+                <a:solidFill>
+                  <a:schemeClr val="accent1"/>
+                </a:solidFill>
+              </a14:hiddenFill>
+            </a:ext>
+            <a:ext uri="{91240B29-F687-4F45-9708-019B960494DF}">
+              <a14:hiddenLine xmlns:a14="http://schemas.microsoft.com/office/drawing/2010/main" w="9525">
+                <a:solidFill>
+                  <a:srgbClr val="000000"/>
+                </a:solidFill>
+                <a:miter lim="800000"/>
+                <a:headEnd/>
+                <a:tailEnd/>
+              </a14:hiddenLine>
+            </a:ext>
+            <a:ext uri="{AF507438-7753-43E0-B8FC-AC1667EBCBE1}">
+              <a14:hiddenEffects xmlns:a14="http://schemas.microsoft.com/office/drawing/2010/main">
+                <a:effectLst>
+                  <a:outerShdw dist="35921" dir="2700000" algn="ctr" rotWithShape="0">
+                    <a:schemeClr val="bg2"/>
+                  </a:outerShdw>
+                </a:effectLst>
+              </a14:hiddenEffects>
+            </a:ext>
+          </a:extLst>
+        </p:spPr>
+        <p:txBody>
+          <a:bodyPr vert="horz" wrap="square" lIns="91440" tIns="45720" rIns="91440" bIns="45720" numCol="1" anchor="t" anchorCtr="0" compatLnSpc="1"/>
+          <a:lstStyle>
+            <a:lvl1pPr>
+              <a:defRPr/>
+            </a:lvl1pPr>
+          </a:lstStyle>
+          <a:p>
+            <a:endParaRPr lang="en-US"/>
+          </a:p>
+        </p:txBody>
+      </p:sp>
+      <p:sp>
+        <p:nvSpPr>
+          <p:cNvPr id="11" name="Rectangle 7"/>
+          <p:cNvSpPr>
+            <a:spLocks noGrp="1" noChangeArrowheads="1"/>
+          </p:cNvSpPr>
+          <p:nvPr>
+            <p:ph type="sldNum" sz="quarter" idx="4"/>
+          </p:nvPr>
+        </p:nvSpPr>
+        <p:spPr bwMode="auto">
+          <a:xfrm>
+            <a:off x="8737600" y="6245225"/>
+            <a:ext cx="2844800" cy="476250"/>
+          </a:xfrm>
+          <a:prstGeom prst="rect">
+            <a:avLst/>
+          </a:prstGeom>
+          <a:noFill/>
+          <a:extLst>
+            <a:ext uri="{909E8E84-426E-40DD-AFC4-6F175D3DCCD1}">
+              <a14:hiddenFill xmlns:a14="http://schemas.microsoft.com/office/drawing/2010/main">
+                <a:solidFill>
+                  <a:schemeClr val="accent1"/>
+                </a:solidFill>
+              </a14:hiddenFill>
+            </a:ext>
+            <a:ext uri="{91240B29-F687-4F45-9708-019B960494DF}">
+              <a14:hiddenLine xmlns:a14="http://schemas.microsoft.com/office/drawing/2010/main" w="9525">
+                <a:solidFill>
+                  <a:srgbClr val="000000"/>
+                </a:solidFill>
+                <a:miter lim="800000"/>
+                <a:headEnd/>
+                <a:tailEnd/>
+              </a14:hiddenLine>
+            </a:ext>
+            <a:ext uri="{AF507438-7753-43E0-B8FC-AC1667EBCBE1}">
+              <a14:hiddenEffects xmlns:a14="http://schemas.microsoft.com/office/drawing/2010/main">
+                <a:effectLst>
+                  <a:outerShdw dist="35921" dir="2700000" algn="ctr" rotWithShape="0">
+                    <a:schemeClr val="bg2"/>
+                  </a:outerShdw>
+                </a:effectLst>
+              </a14:hiddenEffects>
+            </a:ext>
+          </a:extLst>
+        </p:spPr>
+        <p:txBody>
+          <a:bodyPr vert="horz" wrap="square" lIns="91440" tIns="45720" rIns="91440" bIns="45720" numCol="1" anchor="t" anchorCtr="0" compatLnSpc="1"/>
+          <a:lstStyle>
+            <a:lvl1pPr>
+              <a:defRPr/>
+            </a:lvl1pPr>
+          </a:lstStyle>
           <a:p>
             <a:fld id="{9B618960-8005-486C-9A75-10CB2AAC16F9}" type="slidenum">
               <a:rPr lang="en-US" smtClean="0"/>
@@ -317,6 +445,7 @@
   <p:clrMapOvr>
     <a:masterClrMapping/>
   </p:clrMapOvr>
+  <p:hf sldNum="0" hdr="0" ftr="0" dt="0"/>
 </p:sldLayout>
 </file>
 
@@ -429,7 +558,6 @@
         <p:spPr/>
         <p:txBody>
           <a:bodyPr/>
-          <a:lstStyle/>
           <a:p>
             <a:fld id="{63A1C593-65D0-4073-BCC9-577B9352EA97}" type="datetimeFigureOut">
               <a:rPr lang="en-US" smtClean="0"/>
@@ -451,7 +579,6 @@
         <p:spPr/>
         <p:txBody>
           <a:bodyPr/>
-          <a:lstStyle/>
           <a:p>
             <a:endParaRPr lang="en-US"/>
           </a:p>
@@ -470,7 +597,6 @@
         <p:spPr/>
         <p:txBody>
           <a:bodyPr/>
-          <a:lstStyle/>
           <a:p>
             <a:fld id="{9B618960-8005-486C-9A75-10CB2AAC16F9}" type="slidenum">
               <a:rPr lang="en-US" smtClean="0"/>
@@ -484,6 +610,7 @@
   <p:clrMapOvr>
     <a:masterClrMapping/>
   </p:clrMapOvr>
+  <p:hf sldNum="0" hdr="0" ftr="0" dt="0"/>
 </p:sldLayout>
 </file>
 
@@ -516,8 +643,8 @@
         </p:nvSpPr>
         <p:spPr>
           <a:xfrm>
-            <a:off x="8724900" y="365125"/>
-            <a:ext cx="2628900" cy="5811838"/>
+            <a:off x="8839200" y="190500"/>
+            <a:ext cx="2743200" cy="5937250"/>
           </a:xfrm>
         </p:spPr>
         <p:txBody>
@@ -544,12 +671,177 @@
         </p:nvSpPr>
         <p:spPr>
           <a:xfrm>
-            <a:off x="838200" y="365125"/>
-            <a:ext cx="7734300" cy="5811838"/>
+            <a:off x="609600" y="190500"/>
+            <a:ext cx="8026400" cy="5937250"/>
           </a:xfrm>
         </p:spPr>
         <p:txBody>
           <a:bodyPr vert="eaVert"/>
+          <a:lstStyle/>
+          <a:p>
+            <a:pPr lvl="0"/>
+            <a:r>
+              <a:rPr lang="en-US" smtClean="0"/>
+              <a:t>Click to edit Master text styles</a:t>
+            </a:r>
+            <a:endParaRPr lang="en-US" smtClean="0"/>
+          </a:p>
+          <a:p>
+            <a:pPr lvl="1"/>
+            <a:r>
+              <a:rPr lang="en-US" smtClean="0"/>
+              <a:t>Second level</a:t>
+            </a:r>
+            <a:endParaRPr lang="en-US" smtClean="0"/>
+          </a:p>
+          <a:p>
+            <a:pPr lvl="2"/>
+            <a:r>
+              <a:rPr lang="en-US" smtClean="0"/>
+              <a:t>Third level</a:t>
+            </a:r>
+            <a:endParaRPr lang="en-US" smtClean="0"/>
+          </a:p>
+          <a:p>
+            <a:pPr lvl="3"/>
+            <a:r>
+              <a:rPr lang="en-US" smtClean="0"/>
+              <a:t>Fourth level</a:t>
+            </a:r>
+            <a:endParaRPr lang="en-US" smtClean="0"/>
+          </a:p>
+          <a:p>
+            <a:pPr lvl="4"/>
+            <a:r>
+              <a:rPr lang="en-US" smtClean="0"/>
+              <a:t>Fifth level</a:t>
+            </a:r>
+            <a:endParaRPr lang="en-US"/>
+          </a:p>
+        </p:txBody>
+      </p:sp>
+      <p:sp>
+        <p:nvSpPr>
+          <p:cNvPr id="4" name="Date Placeholder 3"/>
+          <p:cNvSpPr>
+            <a:spLocks noGrp="1"/>
+          </p:cNvSpPr>
+          <p:nvPr>
+            <p:ph type="dt" sz="half" idx="10"/>
+          </p:nvPr>
+        </p:nvSpPr>
+        <p:spPr/>
+        <p:txBody>
+          <a:bodyPr/>
+          <a:p>
+            <a:fld id="{63A1C593-65D0-4073-BCC9-577B9352EA97}" type="datetimeFigureOut">
+              <a:rPr lang="en-US" smtClean="0"/>
+            </a:fld>
+            <a:endParaRPr lang="en-US"/>
+          </a:p>
+        </p:txBody>
+      </p:sp>
+      <p:sp>
+        <p:nvSpPr>
+          <p:cNvPr id="5" name="Footer Placeholder 4"/>
+          <p:cNvSpPr>
+            <a:spLocks noGrp="1"/>
+          </p:cNvSpPr>
+          <p:nvPr>
+            <p:ph type="ftr" sz="quarter" idx="11"/>
+          </p:nvPr>
+        </p:nvSpPr>
+        <p:spPr/>
+        <p:txBody>
+          <a:bodyPr/>
+          <a:p>
+            <a:endParaRPr lang="en-US"/>
+          </a:p>
+        </p:txBody>
+      </p:sp>
+      <p:sp>
+        <p:nvSpPr>
+          <p:cNvPr id="6" name="Slide Number Placeholder 5"/>
+          <p:cNvSpPr>
+            <a:spLocks noGrp="1"/>
+          </p:cNvSpPr>
+          <p:nvPr>
+            <p:ph type="sldNum" sz="quarter" idx="12"/>
+          </p:nvPr>
+        </p:nvSpPr>
+        <p:spPr/>
+        <p:txBody>
+          <a:bodyPr/>
+          <a:p>
+            <a:fld id="{9B618960-8005-486C-9A75-10CB2AAC16F9}" type="slidenum">
+              <a:rPr lang="en-US" smtClean="0"/>
+            </a:fld>
+            <a:endParaRPr lang="en-US"/>
+          </a:p>
+        </p:txBody>
+      </p:sp>
+    </p:spTree>
+  </p:cSld>
+  <p:clrMapOvr>
+    <a:masterClrMapping/>
+  </p:clrMapOvr>
+  <p:hf sldNum="0" hdr="0" ftr="0" dt="0"/>
+</p:sldLayout>
+</file>
+
+<file path=ppt/slideLayouts/slideLayout12.xml><?xml version="1.0" encoding="utf-8"?>
+<p:sldLayout xmlns:a="http://schemas.openxmlformats.org/drawingml/2006/main" xmlns:r="http://schemas.openxmlformats.org/officeDocument/2006/relationships" xmlns:p="http://schemas.openxmlformats.org/presentationml/2006/main" type="tx" preserve="1">
+  <p:cSld name="Title and Text">
+    <p:spTree>
+      <p:nvGrpSpPr>
+        <p:cNvPr id="1" name=""/>
+        <p:cNvGrpSpPr/>
+        <p:nvPr/>
+      </p:nvGrpSpPr>
+      <p:grpSpPr>
+        <a:xfrm>
+          <a:off x="0" y="0"/>
+          <a:ext cx="0" cy="0"/>
+          <a:chOff x="0" y="0"/>
+          <a:chExt cx="0" cy="0"/>
+        </a:xfrm>
+      </p:grpSpPr>
+      <p:sp>
+        <p:nvSpPr>
+          <p:cNvPr id="2" name="Title 1"/>
+          <p:cNvSpPr>
+            <a:spLocks noGrp="1"/>
+          </p:cNvSpPr>
+          <p:nvPr>
+            <p:ph type="title"/>
+          </p:nvPr>
+        </p:nvSpPr>
+        <p:spPr/>
+        <p:txBody>
+          <a:bodyPr/>
+          <a:lstStyle/>
+          <a:p>
+            <a:r>
+              <a:rPr lang="en-US" smtClean="0"/>
+              <a:t>Click to edit Master title style</a:t>
+            </a:r>
+            <a:endParaRPr lang="en-US"/>
+          </a:p>
+        </p:txBody>
+      </p:sp>
+      <p:sp>
+        <p:nvSpPr>
+          <p:cNvPr id="3" name="Text Placeholder 2"/>
+          <p:cNvSpPr>
+            <a:spLocks noGrp="1"/>
+          </p:cNvSpPr>
+          <p:nvPr>
+            <p:ph type="body" idx="1"/>
+          </p:nvPr>
+        </p:nvSpPr>
+        <p:spPr/>
+        <p:txBody>
+          <a:bodyPr/>
           <a:lstStyle/>
           <a:p>
             <a:pPr lvl="0"/>
@@ -773,7 +1065,6 @@
         <p:spPr/>
         <p:txBody>
           <a:bodyPr/>
-          <a:lstStyle/>
           <a:p>
             <a:fld id="{63A1C593-65D0-4073-BCC9-577B9352EA97}" type="datetimeFigureOut">
               <a:rPr lang="en-US" smtClean="0"/>
@@ -795,7 +1086,6 @@
         <p:spPr/>
         <p:txBody>
           <a:bodyPr/>
-          <a:lstStyle/>
           <a:p>
             <a:endParaRPr lang="en-US"/>
           </a:p>
@@ -814,7 +1104,6 @@
         <p:spPr/>
         <p:txBody>
           <a:bodyPr/>
-          <a:lstStyle/>
           <a:p>
             <a:fld id="{9B618960-8005-486C-9A75-10CB2AAC16F9}" type="slidenum">
               <a:rPr lang="en-US" smtClean="0"/>
@@ -828,6 +1117,7 @@
   <p:clrMapOvr>
     <a:masterClrMapping/>
   </p:clrMapOvr>
+  <p:hf sldNum="0" hdr="0" ftr="0" dt="0"/>
 </p:sldLayout>
 </file>
 
@@ -860,7 +1150,7 @@
         </p:nvSpPr>
         <p:spPr>
           <a:xfrm>
-            <a:off x="831850" y="1709738"/>
+            <a:off x="831851" y="1709738"/>
             <a:ext cx="10515600" cy="2852737"/>
           </a:xfrm>
         </p:spPr>
@@ -892,7 +1182,7 @@
         </p:nvSpPr>
         <p:spPr>
           <a:xfrm>
-            <a:off x="831850" y="4589463"/>
+            <a:off x="831851" y="4589463"/>
             <a:ext cx="10515600" cy="1500187"/>
           </a:xfrm>
         </p:spPr>
@@ -901,93 +1191,39 @@
           <a:lstStyle>
             <a:lvl1pPr marL="0" indent="0">
               <a:buNone/>
-              <a:defRPr sz="2400">
-                <a:solidFill>
-                  <a:schemeClr val="tx1">
-                    <a:tint val="75000"/>
-                  </a:schemeClr>
-                </a:solidFill>
-              </a:defRPr>
+              <a:defRPr sz="2400"/>
             </a:lvl1pPr>
             <a:lvl2pPr marL="457200" indent="0">
               <a:buNone/>
-              <a:defRPr sz="2000">
-                <a:solidFill>
-                  <a:schemeClr val="tx1">
-                    <a:tint val="75000"/>
-                  </a:schemeClr>
-                </a:solidFill>
-              </a:defRPr>
+              <a:defRPr sz="2000"/>
             </a:lvl2pPr>
             <a:lvl3pPr marL="914400" indent="0">
               <a:buNone/>
-              <a:defRPr sz="1800">
-                <a:solidFill>
-                  <a:schemeClr val="tx1">
-                    <a:tint val="75000"/>
-                  </a:schemeClr>
-                </a:solidFill>
-              </a:defRPr>
+              <a:defRPr sz="1800"/>
             </a:lvl3pPr>
             <a:lvl4pPr marL="1371600" indent="0">
               <a:buNone/>
-              <a:defRPr sz="1600">
-                <a:solidFill>
-                  <a:schemeClr val="tx1">
-                    <a:tint val="75000"/>
-                  </a:schemeClr>
-                </a:solidFill>
-              </a:defRPr>
+              <a:defRPr sz="1600"/>
             </a:lvl4pPr>
             <a:lvl5pPr marL="1828800" indent="0">
               <a:buNone/>
-              <a:defRPr sz="1600">
-                <a:solidFill>
-                  <a:schemeClr val="tx1">
-                    <a:tint val="75000"/>
-                  </a:schemeClr>
-                </a:solidFill>
-              </a:defRPr>
+              <a:defRPr sz="1600"/>
             </a:lvl5pPr>
             <a:lvl6pPr marL="2286000" indent="0">
               <a:buNone/>
-              <a:defRPr sz="1600">
-                <a:solidFill>
-                  <a:schemeClr val="tx1">
-                    <a:tint val="75000"/>
-                  </a:schemeClr>
-                </a:solidFill>
-              </a:defRPr>
+              <a:defRPr sz="1600"/>
             </a:lvl6pPr>
             <a:lvl7pPr marL="2743200" indent="0">
               <a:buNone/>
-              <a:defRPr sz="1600">
-                <a:solidFill>
-                  <a:schemeClr val="tx1">
-                    <a:tint val="75000"/>
-                  </a:schemeClr>
-                </a:solidFill>
-              </a:defRPr>
+              <a:defRPr sz="1600"/>
             </a:lvl7pPr>
             <a:lvl8pPr marL="3200400" indent="0">
               <a:buNone/>
-              <a:defRPr sz="1600">
-                <a:solidFill>
-                  <a:schemeClr val="tx1">
-                    <a:tint val="75000"/>
-                  </a:schemeClr>
-                </a:solidFill>
-              </a:defRPr>
+              <a:defRPr sz="1600"/>
             </a:lvl8pPr>
             <a:lvl9pPr marL="3657600" indent="0">
               <a:buNone/>
-              <a:defRPr sz="1600">
-                <a:solidFill>
-                  <a:schemeClr val="tx1">
-                    <a:tint val="75000"/>
-                  </a:schemeClr>
-                </a:solidFill>
-              </a:defRPr>
+              <a:defRPr sz="1600"/>
             </a:lvl9pPr>
           </a:lstStyle>
           <a:p>
@@ -1013,7 +1249,6 @@
         <p:spPr/>
         <p:txBody>
           <a:bodyPr/>
-          <a:lstStyle/>
           <a:p>
             <a:fld id="{63A1C593-65D0-4073-BCC9-577B9352EA97}" type="datetimeFigureOut">
               <a:rPr lang="en-US" smtClean="0"/>
@@ -1035,7 +1270,6 @@
         <p:spPr/>
         <p:txBody>
           <a:bodyPr/>
-          <a:lstStyle/>
           <a:p>
             <a:endParaRPr lang="en-US"/>
           </a:p>
@@ -1054,7 +1288,6 @@
         <p:spPr/>
         <p:txBody>
           <a:bodyPr/>
-          <a:lstStyle/>
           <a:p>
             <a:fld id="{9B618960-8005-486C-9A75-10CB2AAC16F9}" type="slidenum">
               <a:rPr lang="en-US" smtClean="0"/>
@@ -1068,6 +1301,7 @@
   <p:clrMapOvr>
     <a:masterClrMapping/>
   </p:clrMapOvr>
+  <p:hf sldNum="0" hdr="0" ftr="0" dt="0"/>
 </p:sldLayout>
 </file>
 
@@ -1123,8 +1357,8 @@
         </p:nvSpPr>
         <p:spPr>
           <a:xfrm>
-            <a:off x="838200" y="1825625"/>
-            <a:ext cx="5181600" cy="4351338"/>
+            <a:off x="609600" y="1174750"/>
+            <a:ext cx="5384800" cy="4953000"/>
           </a:xfrm>
         </p:spPr>
         <p:txBody>
@@ -1184,8 +1418,8 @@
         </p:nvSpPr>
         <p:spPr>
           <a:xfrm>
-            <a:off x="6172200" y="1825625"/>
-            <a:ext cx="5181600" cy="4351338"/>
+            <a:off x="6197600" y="1174750"/>
+            <a:ext cx="5384800" cy="4953000"/>
           </a:xfrm>
         </p:spPr>
         <p:txBody>
@@ -1246,7 +1480,6 @@
         <p:spPr/>
         <p:txBody>
           <a:bodyPr/>
-          <a:lstStyle/>
           <a:p>
             <a:fld id="{63A1C593-65D0-4073-BCC9-577B9352EA97}" type="datetimeFigureOut">
               <a:rPr lang="en-US" smtClean="0"/>
@@ -1268,7 +1501,6 @@
         <p:spPr/>
         <p:txBody>
           <a:bodyPr/>
-          <a:lstStyle/>
           <a:p>
             <a:endParaRPr lang="en-US"/>
           </a:p>
@@ -1287,7 +1519,6 @@
         <p:spPr/>
         <p:txBody>
           <a:bodyPr/>
-          <a:lstStyle/>
           <a:p>
             <a:fld id="{9B618960-8005-486C-9A75-10CB2AAC16F9}" type="slidenum">
               <a:rPr lang="en-US" smtClean="0"/>
@@ -1301,6 +1532,7 @@
   <p:clrMapOvr>
     <a:masterClrMapping/>
   </p:clrMapOvr>
+  <p:hf sldNum="0" hdr="0" ftr="0" dt="0"/>
 </p:sldLayout>
 </file>
 
@@ -1333,7 +1565,7 @@
         </p:nvSpPr>
         <p:spPr>
           <a:xfrm>
-            <a:off x="839788" y="365125"/>
+            <a:off x="840317" y="365125"/>
             <a:ext cx="10515600" cy="1325563"/>
           </a:xfrm>
         </p:spPr>
@@ -1361,8 +1593,8 @@
         </p:nvSpPr>
         <p:spPr>
           <a:xfrm>
-            <a:off x="839788" y="1681163"/>
-            <a:ext cx="5157787" cy="823912"/>
+            <a:off x="840317" y="1681163"/>
+            <a:ext cx="5158316" cy="823912"/>
           </a:xfrm>
         </p:spPr>
         <p:txBody>
@@ -1427,8 +1659,8 @@
         </p:nvSpPr>
         <p:spPr>
           <a:xfrm>
-            <a:off x="839788" y="2505075"/>
-            <a:ext cx="5157787" cy="3684588"/>
+            <a:off x="840317" y="2505075"/>
+            <a:ext cx="5158316" cy="3684588"/>
           </a:xfrm>
         </p:spPr>
         <p:txBody>
@@ -1489,7 +1721,7 @@
         <p:spPr>
           <a:xfrm>
             <a:off x="6172200" y="1681163"/>
-            <a:ext cx="5183188" cy="823912"/>
+            <a:ext cx="5183717" cy="823912"/>
           </a:xfrm>
         </p:spPr>
         <p:txBody>
@@ -1555,7 +1787,7 @@
         <p:spPr>
           <a:xfrm>
             <a:off x="6172200" y="2505075"/>
-            <a:ext cx="5183188" cy="3684588"/>
+            <a:ext cx="5183717" cy="3684588"/>
           </a:xfrm>
         </p:spPr>
         <p:txBody>
@@ -1616,7 +1848,6 @@
         <p:spPr/>
         <p:txBody>
           <a:bodyPr/>
-          <a:lstStyle/>
           <a:p>
             <a:fld id="{63A1C593-65D0-4073-BCC9-577B9352EA97}" type="datetimeFigureOut">
               <a:rPr lang="en-US" smtClean="0"/>
@@ -1638,7 +1869,6 @@
         <p:spPr/>
         <p:txBody>
           <a:bodyPr/>
-          <a:lstStyle/>
           <a:p>
             <a:endParaRPr lang="en-US"/>
           </a:p>
@@ -1657,7 +1887,6 @@
         <p:spPr/>
         <p:txBody>
           <a:bodyPr/>
-          <a:lstStyle/>
           <a:p>
             <a:fld id="{9B618960-8005-486C-9A75-10CB2AAC16F9}" type="slidenum">
               <a:rPr lang="en-US" smtClean="0"/>
@@ -1671,6 +1900,7 @@
   <p:clrMapOvr>
     <a:masterClrMapping/>
   </p:clrMapOvr>
+  <p:hf sldNum="0" hdr="0" ftr="0" dt="0"/>
 </p:sldLayout>
 </file>
 
@@ -1727,7 +1957,6 @@
         <p:spPr/>
         <p:txBody>
           <a:bodyPr/>
-          <a:lstStyle/>
           <a:p>
             <a:fld id="{63A1C593-65D0-4073-BCC9-577B9352EA97}" type="datetimeFigureOut">
               <a:rPr lang="en-US" smtClean="0"/>
@@ -1749,7 +1978,6 @@
         <p:spPr/>
         <p:txBody>
           <a:bodyPr/>
-          <a:lstStyle/>
           <a:p>
             <a:endParaRPr lang="en-US"/>
           </a:p>
@@ -1768,7 +1996,6 @@
         <p:spPr/>
         <p:txBody>
           <a:bodyPr/>
-          <a:lstStyle/>
           <a:p>
             <a:fld id="{9B618960-8005-486C-9A75-10CB2AAC16F9}" type="slidenum">
               <a:rPr lang="en-US" smtClean="0"/>
@@ -1782,6 +2009,7 @@
   <p:clrMapOvr>
     <a:masterClrMapping/>
   </p:clrMapOvr>
+  <p:hf sldNum="0" hdr="0" ftr="0" dt="0"/>
 </p:sldLayout>
 </file>
 
@@ -1815,7 +2043,6 @@
         <p:spPr/>
         <p:txBody>
           <a:bodyPr/>
-          <a:lstStyle/>
           <a:p>
             <a:fld id="{63A1C593-65D0-4073-BCC9-577B9352EA97}" type="datetimeFigureOut">
               <a:rPr lang="en-US" smtClean="0"/>
@@ -1837,7 +2064,6 @@
         <p:spPr/>
         <p:txBody>
           <a:bodyPr/>
-          <a:lstStyle/>
           <a:p>
             <a:endParaRPr lang="en-US"/>
           </a:p>
@@ -1856,7 +2082,6 @@
         <p:spPr/>
         <p:txBody>
           <a:bodyPr/>
-          <a:lstStyle/>
           <a:p>
             <a:fld id="{9B618960-8005-486C-9A75-10CB2AAC16F9}" type="slidenum">
               <a:rPr lang="en-US" smtClean="0"/>
@@ -1870,6 +2095,7 @@
   <p:clrMapOvr>
     <a:masterClrMapping/>
   </p:clrMapOvr>
+  <p:hf sldNum="0" hdr="0" ftr="0" dt="0"/>
 </p:sldLayout>
 </file>
 
@@ -1902,8 +2128,8 @@
         </p:nvSpPr>
         <p:spPr>
           <a:xfrm>
-            <a:off x="839788" y="457200"/>
-            <a:ext cx="3932237" cy="1600200"/>
+            <a:off x="840317" y="457200"/>
+            <a:ext cx="3932767" cy="1600200"/>
           </a:xfrm>
         </p:spPr>
         <p:txBody>
@@ -1934,7 +2160,7 @@
         </p:nvSpPr>
         <p:spPr>
           <a:xfrm>
-            <a:off x="5183188" y="987425"/>
+            <a:off x="5183717" y="987425"/>
             <a:ext cx="6172200" cy="4873625"/>
           </a:xfrm>
         </p:spPr>
@@ -2023,8 +2249,8 @@
         </p:nvSpPr>
         <p:spPr>
           <a:xfrm>
-            <a:off x="839788" y="2057400"/>
-            <a:ext cx="3932237" cy="3811588"/>
+            <a:off x="840317" y="2057400"/>
+            <a:ext cx="3932767" cy="3811588"/>
           </a:xfrm>
         </p:spPr>
         <p:txBody>
@@ -2090,7 +2316,6 @@
         <p:spPr/>
         <p:txBody>
           <a:bodyPr/>
-          <a:lstStyle/>
           <a:p>
             <a:fld id="{63A1C593-65D0-4073-BCC9-577B9352EA97}" type="datetimeFigureOut">
               <a:rPr lang="en-US" smtClean="0"/>
@@ -2112,7 +2337,6 @@
         <p:spPr/>
         <p:txBody>
           <a:bodyPr/>
-          <a:lstStyle/>
           <a:p>
             <a:endParaRPr lang="en-US"/>
           </a:p>
@@ -2131,7 +2355,6 @@
         <p:spPr/>
         <p:txBody>
           <a:bodyPr/>
-          <a:lstStyle/>
           <a:p>
             <a:fld id="{9B618960-8005-486C-9A75-10CB2AAC16F9}" type="slidenum">
               <a:rPr lang="en-US" smtClean="0"/>
@@ -2145,6 +2368,7 @@
   <p:clrMapOvr>
     <a:masterClrMapping/>
   </p:clrMapOvr>
+  <p:hf sldNum="0" hdr="0" ftr="0" dt="0"/>
 </p:sldLayout>
 </file>
 
@@ -2177,8 +2401,8 @@
         </p:nvSpPr>
         <p:spPr>
           <a:xfrm>
-            <a:off x="839788" y="457200"/>
-            <a:ext cx="3932237" cy="1600200"/>
+            <a:off x="840317" y="457200"/>
+            <a:ext cx="3932767" cy="1600200"/>
           </a:xfrm>
         </p:spPr>
         <p:txBody>
@@ -2209,12 +2433,12 @@
         </p:nvSpPr>
         <p:spPr>
           <a:xfrm>
-            <a:off x="5183188" y="987425"/>
+            <a:off x="5183717" y="987425"/>
             <a:ext cx="6172200" cy="4873625"/>
           </a:xfrm>
         </p:spPr>
         <p:txBody>
-          <a:bodyPr/>
+          <a:bodyPr vert="horz" wrap="square" lIns="91440" tIns="45720" rIns="91440" bIns="45720" numCol="1" anchor="t" anchorCtr="0" compatLnSpc="1"/>
           <a:lstStyle>
             <a:lvl1pPr marL="0" indent="0">
               <a:buNone/>
@@ -2254,7 +2478,36 @@
             </a:lvl9pPr>
           </a:lstStyle>
           <a:p>
-            <a:endParaRPr lang="en-US"/>
+            <a:pPr marL="0" marR="0" lvl="0" indent="0" algn="l" defTabSz="914400" rtl="0" eaLnBrk="1" fontAlgn="base" latinLnBrk="0" hangingPunct="1">
+              <a:lnSpc>
+                <a:spcPct val="100000"/>
+              </a:lnSpc>
+              <a:spcBef>
+                <a:spcPct val="20000"/>
+              </a:spcBef>
+              <a:spcAft>
+                <a:spcPct val="0"/>
+              </a:spcAft>
+              <a:buClrTx/>
+              <a:buSzTx/>
+              <a:buFontTx/>
+              <a:buNone/>
+              <a:defRPr/>
+            </a:pPr>
+            <a:endParaRPr kumimoji="0" lang="en-US" sz="3200" b="0" i="0" u="none" strike="noStrike" kern="1200" cap="none" spc="0" normalizeH="0" baseline="0" noProof="0" smtClean="0">
+              <a:ln>
+                <a:noFill/>
+              </a:ln>
+              <a:solidFill>
+                <a:schemeClr val="tx1"/>
+              </a:solidFill>
+              <a:effectLst/>
+              <a:uLnTx/>
+              <a:uFillTx/>
+              <a:latin typeface="+mn-lt"/>
+              <a:ea typeface="+mn-ea"/>
+              <a:cs typeface="+mn-cs"/>
+            </a:endParaRPr>
           </a:p>
         </p:txBody>
       </p:sp>
@@ -2270,8 +2523,8 @@
         </p:nvSpPr>
         <p:spPr>
           <a:xfrm>
-            <a:off x="839788" y="2057400"/>
-            <a:ext cx="3932237" cy="3811588"/>
+            <a:off x="840317" y="2057400"/>
+            <a:ext cx="3932767" cy="3811588"/>
           </a:xfrm>
         </p:spPr>
         <p:txBody>
@@ -2337,7 +2590,6 @@
         <p:spPr/>
         <p:txBody>
           <a:bodyPr/>
-          <a:lstStyle/>
           <a:p>
             <a:fld id="{63A1C593-65D0-4073-BCC9-577B9352EA97}" type="datetimeFigureOut">
               <a:rPr lang="en-US" smtClean="0"/>
@@ -2359,7 +2611,6 @@
         <p:spPr/>
         <p:txBody>
           <a:bodyPr/>
-          <a:lstStyle/>
           <a:p>
             <a:endParaRPr lang="en-US"/>
           </a:p>
@@ -2378,7 +2629,6 @@
         <p:spPr/>
         <p:txBody>
           <a:bodyPr/>
-          <a:lstStyle/>
           <a:p>
             <a:fld id="{9B618960-8005-486C-9A75-10CB2AAC16F9}" type="slidenum">
               <a:rPr lang="en-US" smtClean="0"/>
@@ -2392,6 +2642,7 @@
   <p:clrMapOvr>
     <a:masterClrMapping/>
   </p:clrMapOvr>
+  <p:hf sldNum="0" hdr="0" ftr="0" dt="0"/>
 </p:sldLayout>
 </file>
 
@@ -2399,9 +2650,12 @@
 <p:sldMaster xmlns:a="http://schemas.openxmlformats.org/drawingml/2006/main" xmlns:r="http://schemas.openxmlformats.org/officeDocument/2006/relationships" xmlns:p="http://schemas.openxmlformats.org/presentationml/2006/main">
   <p:cSld>
     <p:bg>
-      <p:bgRef idx="1001">
-        <a:schemeClr val="bg1"/>
-      </p:bgRef>
+      <p:bgPr>
+        <a:solidFill>
+          <a:schemeClr val="bg1"/>
+        </a:solidFill>
+        <a:effectLst/>
+      </p:bgPr>
     </p:bg>
     <p:spTree>
       <p:nvGrpSpPr>
@@ -2409,220 +2663,325 @@
         <p:cNvGrpSpPr/>
         <p:nvPr/>
       </p:nvGrpSpPr>
-      <p:grpSpPr>
-        <a:xfrm>
-          <a:off x="0" y="0"/>
-          <a:ext cx="0" cy="0"/>
-          <a:chOff x="0" y="0"/>
-          <a:chExt cx="0" cy="0"/>
-        </a:xfrm>
-      </p:grpSpPr>
-      <p:sp>
-        <p:nvSpPr>
-          <p:cNvPr id="2" name="Title Placeholder 1"/>
-          <p:cNvSpPr>
-            <a:spLocks noGrp="1"/>
-          </p:cNvSpPr>
-          <p:nvPr>
-            <p:ph type="title"/>
-          </p:nvPr>
-        </p:nvSpPr>
+      <p:grpSpPr/>
+      <p:pic>
+        <p:nvPicPr>
+          <p:cNvPr id="1026" name="Picture 3"/>
+          <p:cNvPicPr>
+            <a:picLocks noChangeAspect="1"/>
+          </p:cNvPicPr>
+          <p:nvPr/>
+        </p:nvPicPr>
+        <p:blipFill>
+          <a:blip r:embed="rId13"/>
+          <a:stretch>
+            <a:fillRect/>
+          </a:stretch>
+        </p:blipFill>
         <p:spPr>
           <a:xfrm>
-            <a:off x="838200" y="365125"/>
-            <a:ext cx="10515600" cy="1325563"/>
+            <a:off x="-8467" y="0"/>
+            <a:ext cx="12200467" cy="6858000"/>
           </a:xfrm>
           <a:prstGeom prst="rect">
             <a:avLst/>
           </a:prstGeom>
+          <a:noFill/>
+          <a:ln w="9525">
+            <a:noFill/>
+          </a:ln>
         </p:spPr>
-        <p:txBody>
-          <a:bodyPr vert="horz" lIns="91440" tIns="45720" rIns="91440" bIns="45720" rtlCol="0" anchor="ctr">
-            <a:normAutofit/>
-          </a:bodyPr>
-          <a:lstStyle/>
-          <a:p>
-            <a:r>
-              <a:rPr lang="en-US" smtClean="0"/>
-              <a:t>Click to edit Master title style</a:t>
-            </a:r>
-            <a:endParaRPr lang="en-US"/>
-          </a:p>
-        </p:txBody>
-      </p:sp>
-      <p:sp>
-        <p:nvSpPr>
-          <p:cNvPr id="3" name="Text Placeholder 2"/>
-          <p:cNvSpPr>
-            <a:spLocks noGrp="1"/>
-          </p:cNvSpPr>
-          <p:nvPr>
-            <p:ph type="body" idx="1"/>
+      </p:pic>
+      <p:sp>
+        <p:nvSpPr>
+          <p:cNvPr id="1027" name="Rectangle 3"/>
+          <p:cNvSpPr>
+            <a:spLocks noGrp="1"/>
+          </p:cNvSpPr>
+          <p:nvPr>
+            <p:ph type="title"/>
           </p:nvPr>
         </p:nvSpPr>
         <p:spPr>
           <a:xfrm>
-            <a:off x="838200" y="1825625"/>
-            <a:ext cx="10515600" cy="4351338"/>
+            <a:off x="609600" y="190500"/>
+            <a:ext cx="10972800" cy="582613"/>
           </a:xfrm>
           <a:prstGeom prst="rect">
             <a:avLst/>
           </a:prstGeom>
+          <a:noFill/>
+          <a:ln w="9525">
+            <a:noFill/>
+          </a:ln>
         </p:spPr>
         <p:txBody>
-          <a:bodyPr vert="horz" lIns="91440" tIns="45720" rIns="91440" bIns="45720" rtlCol="0">
-            <a:normAutofit/>
-          </a:bodyPr>
-          <a:lstStyle/>
+          <a:bodyPr anchor="ctr" anchorCtr="0"/>
           <a:p>
             <a:pPr lvl="0"/>
             <a:r>
-              <a:rPr lang="en-US" smtClean="0"/>
-              <a:t>Click to edit Master text styles</a:t>
-            </a:r>
-            <a:endParaRPr lang="en-US" smtClean="0"/>
-          </a:p>
-          <a:p>
-            <a:pPr lvl="1"/>
-            <a:r>
-              <a:rPr lang="en-US" smtClean="0"/>
-              <a:t>Second level</a:t>
-            </a:r>
-            <a:endParaRPr lang="en-US" smtClean="0"/>
-          </a:p>
-          <a:p>
-            <a:pPr lvl="2"/>
-            <a:r>
-              <a:rPr lang="en-US" smtClean="0"/>
-              <a:t>Third level</a:t>
-            </a:r>
-            <a:endParaRPr lang="en-US" smtClean="0"/>
-          </a:p>
-          <a:p>
-            <a:pPr lvl="3"/>
-            <a:r>
-              <a:rPr lang="en-US" smtClean="0"/>
-              <a:t>Fourth level</a:t>
-            </a:r>
-            <a:endParaRPr lang="en-US" smtClean="0"/>
-          </a:p>
-          <a:p>
-            <a:pPr lvl="4"/>
-            <a:r>
-              <a:rPr lang="en-US" smtClean="0"/>
-              <a:t>Fifth level</a:t>
-            </a:r>
-            <a:endParaRPr lang="en-US"/>
-          </a:p>
-        </p:txBody>
-      </p:sp>
-      <p:sp>
-        <p:nvSpPr>
-          <p:cNvPr id="4" name="Date Placeholder 3"/>
-          <p:cNvSpPr>
-            <a:spLocks noGrp="1"/>
-          </p:cNvSpPr>
-          <p:nvPr>
-            <p:ph type="dt" sz="half" idx="2"/>
+              <a:rPr lang="en-US" altLang="zh-CN" dirty="0"/>
+              <a:t>Click to edit Master title style</a:t>
+            </a:r>
+            <a:endParaRPr lang="en-US" altLang="zh-CN" dirty="0"/>
+          </a:p>
+        </p:txBody>
+      </p:sp>
+      <p:sp>
+        <p:nvSpPr>
+          <p:cNvPr id="1028" name="Rectangle 4"/>
+          <p:cNvSpPr>
+            <a:spLocks noGrp="1"/>
+          </p:cNvSpPr>
+          <p:nvPr>
+            <p:ph type="body" idx="1"/>
           </p:nvPr>
         </p:nvSpPr>
         <p:spPr>
           <a:xfrm>
-            <a:off x="838200" y="6356350"/>
-            <a:ext cx="2743200" cy="365125"/>
+            <a:off x="609600" y="1174750"/>
+            <a:ext cx="10972800" cy="4953000"/>
           </a:xfrm>
           <a:prstGeom prst="rect">
             <a:avLst/>
           </a:prstGeom>
+          <a:noFill/>
+          <a:ln w="9525">
+            <a:noFill/>
+          </a:ln>
         </p:spPr>
         <p:txBody>
-          <a:bodyPr vert="horz" lIns="91440" tIns="45720" rIns="91440" bIns="45720" rtlCol="0" anchor="ctr"/>
-          <a:lstStyle>
-            <a:lvl1pPr algn="l">
-              <a:defRPr sz="1200">
-                <a:solidFill>
-                  <a:schemeClr val="tx1">
-                    <a:tint val="75000"/>
-                  </a:schemeClr>
-                </a:solidFill>
-              </a:defRPr>
-            </a:lvl1pPr>
-          </a:lstStyle>
-          <a:p>
-            <a:fld id="{63A1C593-65D0-4073-BCC9-577B9352EA97}" type="datetimeFigureOut">
-              <a:rPr lang="en-US" smtClean="0"/>
-            </a:fld>
-            <a:endParaRPr lang="en-US"/>
-          </a:p>
-        </p:txBody>
-      </p:sp>
-      <p:sp>
-        <p:nvSpPr>
-          <p:cNvPr id="5" name="Footer Placeholder 4"/>
-          <p:cNvSpPr>
-            <a:spLocks noGrp="1"/>
-          </p:cNvSpPr>
-          <p:nvPr>
-            <p:ph type="ftr" sz="quarter" idx="3"/>
-          </p:nvPr>
-        </p:nvSpPr>
-        <p:spPr>
+          <a:bodyPr/>
+          <a:p>
+            <a:pPr lvl="0"/>
+            <a:r>
+              <a:rPr lang="en-US" altLang="zh-CN" dirty="0"/>
+              <a:t>Click to edit Master text styles</a:t>
+            </a:r>
+            <a:endParaRPr lang="en-US" altLang="zh-CN" dirty="0"/>
+          </a:p>
+          <a:p>
+            <a:pPr lvl="1"/>
+            <a:r>
+              <a:rPr lang="en-US" altLang="zh-CN" dirty="0"/>
+              <a:t>Second level</a:t>
+            </a:r>
+            <a:endParaRPr lang="en-US" altLang="zh-CN" dirty="0"/>
+          </a:p>
+          <a:p>
+            <a:pPr lvl="2"/>
+            <a:r>
+              <a:rPr lang="en-US" altLang="zh-CN" dirty="0"/>
+              <a:t>Third level</a:t>
+            </a:r>
+            <a:endParaRPr lang="en-US" altLang="zh-CN" dirty="0"/>
+          </a:p>
+          <a:p>
+            <a:pPr lvl="3"/>
+            <a:r>
+              <a:rPr lang="en-US" altLang="zh-CN" dirty="0"/>
+              <a:t>Fourth level</a:t>
+            </a:r>
+            <a:endParaRPr lang="en-US" altLang="zh-CN" dirty="0"/>
+          </a:p>
+          <a:p>
+            <a:pPr lvl="4"/>
+            <a:r>
+              <a:rPr lang="en-US" altLang="zh-CN" dirty="0"/>
+              <a:t>Fifth level</a:t>
+            </a:r>
+            <a:endParaRPr lang="en-US" altLang="zh-CN" dirty="0"/>
+          </a:p>
+        </p:txBody>
+      </p:sp>
+      <p:sp>
+        <p:nvSpPr>
+          <p:cNvPr id="1029" name="Rectangle 5"/>
+          <p:cNvSpPr>
+            <a:spLocks noGrp="1" noChangeArrowheads="1"/>
+          </p:cNvSpPr>
+          <p:nvPr>
+            <p:ph type="dt" sz="half" idx="2"/>
+          </p:nvPr>
+        </p:nvSpPr>
+        <p:spPr bwMode="auto">
           <a:xfrm>
-            <a:off x="4038600" y="6356350"/>
-            <a:ext cx="4114800" cy="365125"/>
+            <a:off x="609600" y="6245225"/>
+            <a:ext cx="2844800" cy="476250"/>
           </a:xfrm>
           <a:prstGeom prst="rect">
             <a:avLst/>
           </a:prstGeom>
+          <a:noFill/>
+          <a:ln>
+            <a:noFill/>
+          </a:ln>
+          <a:effectLst/>
+          <a:extLst>
+            <a:ext uri="{909E8E84-426E-40DD-AFC4-6F175D3DCCD1}">
+              <a14:hiddenFill xmlns:a14="http://schemas.microsoft.com/office/drawing/2010/main">
+                <a:solidFill>
+                  <a:schemeClr val="accent1"/>
+                </a:solidFill>
+              </a14:hiddenFill>
+            </a:ext>
+            <a:ext uri="{91240B29-F687-4F45-9708-019B960494DF}">
+              <a14:hiddenLine xmlns:a14="http://schemas.microsoft.com/office/drawing/2010/main" w="9525">
+                <a:solidFill>
+                  <a:srgbClr val="000000"/>
+                </a:solidFill>
+                <a:miter lim="800000"/>
+                <a:headEnd/>
+                <a:tailEnd/>
+              </a14:hiddenLine>
+            </a:ext>
+            <a:ext uri="{AF507438-7753-43E0-B8FC-AC1667EBCBE1}">
+              <a14:hiddenEffects xmlns:a14="http://schemas.microsoft.com/office/drawing/2010/main">
+                <a:effectLst>
+                  <a:outerShdw dist="35921" dir="2700000" algn="ctr" rotWithShape="0">
+                    <a:schemeClr val="bg2"/>
+                  </a:outerShdw>
+                </a:effectLst>
+              </a14:hiddenEffects>
+            </a:ext>
+          </a:extLst>
         </p:spPr>
         <p:txBody>
-          <a:bodyPr vert="horz" lIns="91440" tIns="45720" rIns="91440" bIns="45720" rtlCol="0" anchor="ctr"/>
+          <a:bodyPr vert="horz" wrap="square" lIns="91440" tIns="45720" rIns="91440" bIns="45720" numCol="1" anchor="t" anchorCtr="0" compatLnSpc="1"/>
           <a:lstStyle>
-            <a:lvl1pPr algn="ctr">
-              <a:defRPr sz="1200">
-                <a:solidFill>
-                  <a:schemeClr val="tx1">
-                    <a:tint val="75000"/>
-                  </a:schemeClr>
-                </a:solidFill>
-              </a:defRPr>
+            <a:lvl1pPr>
+              <a:defRPr sz="1400"/>
             </a:lvl1pPr>
           </a:lstStyle>
           <a:p>
-            <a:endParaRPr lang="en-US"/>
-          </a:p>
-        </p:txBody>
-      </p:sp>
-      <p:sp>
-        <p:nvSpPr>
-          <p:cNvPr id="6" name="Slide Number Placeholder 5"/>
-          <p:cNvSpPr>
-            <a:spLocks noGrp="1"/>
-          </p:cNvSpPr>
-          <p:nvPr>
-            <p:ph type="sldNum" sz="quarter" idx="4"/>
-          </p:nvPr>
-        </p:nvSpPr>
-        <p:spPr>
+            <a:fld id="{63A1C593-65D0-4073-BCC9-577B9352EA97}" type="datetimeFigureOut">
+              <a:rPr lang="en-US" smtClean="0"/>
+            </a:fld>
+            <a:endParaRPr lang="en-US"/>
+          </a:p>
+        </p:txBody>
+      </p:sp>
+      <p:sp>
+        <p:nvSpPr>
+          <p:cNvPr id="1030" name="Rectangle 6"/>
+          <p:cNvSpPr>
+            <a:spLocks noGrp="1" noChangeArrowheads="1"/>
+          </p:cNvSpPr>
+          <p:nvPr>
+            <p:ph type="ftr" sz="quarter" idx="3"/>
+          </p:nvPr>
+        </p:nvSpPr>
+        <p:spPr bwMode="auto">
           <a:xfrm>
-            <a:off x="8610600" y="6356350"/>
-            <a:ext cx="2743200" cy="365125"/>
+            <a:off x="4165600" y="6245225"/>
+            <a:ext cx="3860800" cy="476250"/>
           </a:xfrm>
           <a:prstGeom prst="rect">
             <a:avLst/>
           </a:prstGeom>
+          <a:noFill/>
+          <a:ln>
+            <a:noFill/>
+          </a:ln>
+          <a:effectLst/>
+          <a:extLst>
+            <a:ext uri="{909E8E84-426E-40DD-AFC4-6F175D3DCCD1}">
+              <a14:hiddenFill xmlns:a14="http://schemas.microsoft.com/office/drawing/2010/main">
+                <a:solidFill>
+                  <a:schemeClr val="accent1"/>
+                </a:solidFill>
+              </a14:hiddenFill>
+            </a:ext>
+            <a:ext uri="{91240B29-F687-4F45-9708-019B960494DF}">
+              <a14:hiddenLine xmlns:a14="http://schemas.microsoft.com/office/drawing/2010/main" w="9525">
+                <a:solidFill>
+                  <a:srgbClr val="000000"/>
+                </a:solidFill>
+                <a:miter lim="800000"/>
+                <a:headEnd/>
+                <a:tailEnd/>
+              </a14:hiddenLine>
+            </a:ext>
+            <a:ext uri="{AF507438-7753-43E0-B8FC-AC1667EBCBE1}">
+              <a14:hiddenEffects xmlns:a14="http://schemas.microsoft.com/office/drawing/2010/main">
+                <a:effectLst>
+                  <a:outerShdw dist="35921" dir="2700000" algn="ctr" rotWithShape="0">
+                    <a:schemeClr val="bg2"/>
+                  </a:outerShdw>
+                </a:effectLst>
+              </a14:hiddenEffects>
+            </a:ext>
+          </a:extLst>
         </p:spPr>
         <p:txBody>
-          <a:bodyPr vert="horz" lIns="91440" tIns="45720" rIns="91440" bIns="45720" rtlCol="0" anchor="ctr"/>
+          <a:bodyPr vert="horz" wrap="square" lIns="91440" tIns="45720" rIns="91440" bIns="45720" numCol="1" anchor="t" anchorCtr="0" compatLnSpc="1"/>
+          <a:lstStyle>
+            <a:lvl1pPr algn="ctr">
+              <a:defRPr sz="1400"/>
+            </a:lvl1pPr>
+          </a:lstStyle>
+          <a:p>
+            <a:endParaRPr lang="en-US"/>
+          </a:p>
+        </p:txBody>
+      </p:sp>
+      <p:sp>
+        <p:nvSpPr>
+          <p:cNvPr id="1031" name="Rectangle 7"/>
+          <p:cNvSpPr>
+            <a:spLocks noGrp="1" noChangeArrowheads="1"/>
+          </p:cNvSpPr>
+          <p:nvPr>
+            <p:ph type="sldNum" sz="quarter" idx="4"/>
+          </p:nvPr>
+        </p:nvSpPr>
+        <p:spPr bwMode="auto">
+          <a:xfrm>
+            <a:off x="8737600" y="6245225"/>
+            <a:ext cx="2844800" cy="476250"/>
+          </a:xfrm>
+          <a:prstGeom prst="rect">
+            <a:avLst/>
+          </a:prstGeom>
+          <a:noFill/>
+          <a:ln>
+            <a:noFill/>
+          </a:ln>
+          <a:effectLst/>
+          <a:extLst>
+            <a:ext uri="{909E8E84-426E-40DD-AFC4-6F175D3DCCD1}">
+              <a14:hiddenFill xmlns:a14="http://schemas.microsoft.com/office/drawing/2010/main">
+                <a:solidFill>
+                  <a:schemeClr val="accent1"/>
+                </a:solidFill>
+              </a14:hiddenFill>
+            </a:ext>
+            <a:ext uri="{91240B29-F687-4F45-9708-019B960494DF}">
+              <a14:hiddenLine xmlns:a14="http://schemas.microsoft.com/office/drawing/2010/main" w="9525">
+                <a:solidFill>
+                  <a:srgbClr val="000000"/>
+                </a:solidFill>
+                <a:miter lim="800000"/>
+                <a:headEnd/>
+                <a:tailEnd/>
+              </a14:hiddenLine>
+            </a:ext>
+            <a:ext uri="{AF507438-7753-43E0-B8FC-AC1667EBCBE1}">
+              <a14:hiddenEffects xmlns:a14="http://schemas.microsoft.com/office/drawing/2010/main">
+                <a:effectLst>
+                  <a:outerShdw dist="35921" dir="2700000" algn="ctr" rotWithShape="0">
+                    <a:schemeClr val="bg2"/>
+                  </a:outerShdw>
+                </a:effectLst>
+              </a14:hiddenEffects>
+            </a:ext>
+          </a:extLst>
+        </p:spPr>
+        <p:txBody>
+          <a:bodyPr vert="horz" wrap="square" lIns="91440" tIns="45720" rIns="91440" bIns="45720" numCol="1" anchor="t" anchorCtr="0" compatLnSpc="1"/>
           <a:lstStyle>
             <a:lvl1pPr algn="r">
-              <a:defRPr sz="1200">
-                <a:solidFill>
-                  <a:schemeClr val="tx1">
-                    <a:tint val="75000"/>
-                  </a:schemeClr>
-                </a:solidFill>
-              </a:defRPr>
+              <a:defRPr sz="1400"/>
             </a:lvl1pPr>
           </a:lstStyle>
           <a:p>
@@ -2648,18 +3007,19 @@
     <p:sldLayoutId id="2147483657" r:id="rId9"/>
     <p:sldLayoutId id="2147483658" r:id="rId10"/>
     <p:sldLayoutId id="2147483659" r:id="rId11"/>
+    <p:sldLayoutId id="2147483660" r:id="rId12"/>
   </p:sldLayoutIdLst>
+  <p:hf sldNum="0" hdr="0" ftr="0" dt="0"/>
   <p:txStyles>
     <p:titleStyle>
-      <a:lvl1pPr algn="l" defTabSz="914400" rtl="0" eaLnBrk="1" latinLnBrk="0" hangingPunct="1">
-        <a:lnSpc>
-          <a:spcPct val="90000"/>
-        </a:lnSpc>
+      <a:lvl1pPr algn="l" rtl="0" fontAlgn="base">
         <a:spcBef>
           <a:spcPct val="0"/>
         </a:spcBef>
-        <a:buNone/>
-        <a:defRPr sz="4400" kern="1200">
+        <a:spcAft>
+          <a:spcPct val="0"/>
+        </a:spcAft>
+        <a:defRPr sz="3600" kern="1200">
           <a:solidFill>
             <a:schemeClr val="tx1"/>
           </a:solidFill>
@@ -2668,17 +3028,153 @@
           <a:cs typeface="+mj-cs"/>
         </a:defRPr>
       </a:lvl1pPr>
+      <a:lvl2pPr algn="l" rtl="0" fontAlgn="base">
+        <a:spcBef>
+          <a:spcPct val="0"/>
+        </a:spcBef>
+        <a:spcAft>
+          <a:spcPct val="0"/>
+        </a:spcAft>
+        <a:defRPr sz="3600">
+          <a:solidFill>
+            <a:schemeClr val="tx1"/>
+          </a:solidFill>
+          <a:latin typeface="Arial" panose="020B0604020202020204" pitchFamily="34" charset="0"/>
+          <a:ea typeface="SimSun" panose="02010600030101010101" pitchFamily="2" charset="-122"/>
+        </a:defRPr>
+      </a:lvl2pPr>
+      <a:lvl3pPr algn="l" rtl="0" fontAlgn="base">
+        <a:spcBef>
+          <a:spcPct val="0"/>
+        </a:spcBef>
+        <a:spcAft>
+          <a:spcPct val="0"/>
+        </a:spcAft>
+        <a:defRPr sz="3600">
+          <a:solidFill>
+            <a:schemeClr val="tx1"/>
+          </a:solidFill>
+          <a:latin typeface="Arial" panose="020B0604020202020204" pitchFamily="34" charset="0"/>
+          <a:ea typeface="SimSun" panose="02010600030101010101" pitchFamily="2" charset="-122"/>
+        </a:defRPr>
+      </a:lvl3pPr>
+      <a:lvl4pPr algn="l" rtl="0" fontAlgn="base">
+        <a:spcBef>
+          <a:spcPct val="0"/>
+        </a:spcBef>
+        <a:spcAft>
+          <a:spcPct val="0"/>
+        </a:spcAft>
+        <a:defRPr sz="3600">
+          <a:solidFill>
+            <a:schemeClr val="tx1"/>
+          </a:solidFill>
+          <a:latin typeface="Arial" panose="020B0604020202020204" pitchFamily="34" charset="0"/>
+          <a:ea typeface="SimSun" panose="02010600030101010101" pitchFamily="2" charset="-122"/>
+        </a:defRPr>
+      </a:lvl4pPr>
+      <a:lvl5pPr algn="l" rtl="0" fontAlgn="base">
+        <a:spcBef>
+          <a:spcPct val="0"/>
+        </a:spcBef>
+        <a:spcAft>
+          <a:spcPct val="0"/>
+        </a:spcAft>
+        <a:defRPr sz="3600">
+          <a:solidFill>
+            <a:schemeClr val="tx1"/>
+          </a:solidFill>
+          <a:latin typeface="Arial" panose="020B0604020202020204" pitchFamily="34" charset="0"/>
+          <a:ea typeface="SimSun" panose="02010600030101010101" pitchFamily="2" charset="-122"/>
+        </a:defRPr>
+      </a:lvl5pPr>
+      <a:lvl6pPr marL="457200" algn="l" rtl="0" fontAlgn="base">
+        <a:spcBef>
+          <a:spcPct val="0"/>
+        </a:spcBef>
+        <a:spcAft>
+          <a:spcPct val="0"/>
+        </a:spcAft>
+        <a:defRPr sz="3600">
+          <a:solidFill>
+            <a:schemeClr val="tx1"/>
+          </a:solidFill>
+          <a:latin typeface="Arial" panose="020B0604020202020204" pitchFamily="34" charset="0"/>
+          <a:ea typeface="SimSun" panose="02010600030101010101" pitchFamily="2" charset="-122"/>
+        </a:defRPr>
+      </a:lvl6pPr>
+      <a:lvl7pPr marL="914400" algn="l" rtl="0" fontAlgn="base">
+        <a:spcBef>
+          <a:spcPct val="0"/>
+        </a:spcBef>
+        <a:spcAft>
+          <a:spcPct val="0"/>
+        </a:spcAft>
+        <a:defRPr sz="3600">
+          <a:solidFill>
+            <a:schemeClr val="tx1"/>
+          </a:solidFill>
+          <a:latin typeface="Arial" panose="020B0604020202020204" pitchFamily="34" charset="0"/>
+          <a:ea typeface="SimSun" panose="02010600030101010101" pitchFamily="2" charset="-122"/>
+        </a:defRPr>
+      </a:lvl7pPr>
+      <a:lvl8pPr marL="1371600" algn="l" rtl="0" fontAlgn="base">
+        <a:spcBef>
+          <a:spcPct val="0"/>
+        </a:spcBef>
+        <a:spcAft>
+          <a:spcPct val="0"/>
+        </a:spcAft>
+        <a:defRPr sz="3600">
+          <a:solidFill>
+            <a:schemeClr val="tx1"/>
+          </a:solidFill>
+          <a:latin typeface="Arial" panose="020B0604020202020204" pitchFamily="34" charset="0"/>
+          <a:ea typeface="SimSun" panose="02010600030101010101" pitchFamily="2" charset="-122"/>
+        </a:defRPr>
+      </a:lvl8pPr>
+      <a:lvl9pPr marL="1828800" algn="l" rtl="0" fontAlgn="base">
+        <a:spcBef>
+          <a:spcPct val="0"/>
+        </a:spcBef>
+        <a:spcAft>
+          <a:spcPct val="0"/>
+        </a:spcAft>
+        <a:defRPr sz="3600">
+          <a:solidFill>
+            <a:schemeClr val="tx1"/>
+          </a:solidFill>
+          <a:latin typeface="Arial" panose="020B0604020202020204" pitchFamily="34" charset="0"/>
+          <a:ea typeface="SimSun" panose="02010600030101010101" pitchFamily="2" charset="-122"/>
+        </a:defRPr>
+      </a:lvl9pPr>
     </p:titleStyle>
     <p:bodyStyle>
-      <a:lvl1pPr marL="228600" indent="-228600" algn="l" defTabSz="914400" rtl="0" eaLnBrk="1" latinLnBrk="0" hangingPunct="1">
-        <a:lnSpc>
-          <a:spcPct val="90000"/>
-        </a:lnSpc>
+      <a:lvl1pPr marL="342900" indent="-342900" algn="l" rtl="0" fontAlgn="base">
         <a:spcBef>
-          <a:spcPts val="1000"/>
+          <a:spcPct val="20000"/>
         </a:spcBef>
-        <a:buFont typeface="Arial" panose="020B0604020202020204" pitchFamily="34" charset="0"/>
+        <a:spcAft>
+          <a:spcPct val="0"/>
+        </a:spcAft>
         <a:buChar char="•"/>
+        <a:defRPr sz="3200" kern="1200">
+          <a:solidFill>
+            <a:schemeClr val="tx1"/>
+          </a:solidFill>
+          <a:latin typeface="+mn-lt"/>
+          <a:ea typeface="+mn-ea"/>
+          <a:cs typeface="+mn-cs"/>
+        </a:defRPr>
+      </a:lvl1pPr>
+      <a:lvl2pPr marL="742950" indent="-285750" algn="l" rtl="0" fontAlgn="base">
+        <a:spcBef>
+          <a:spcPct val="20000"/>
+        </a:spcBef>
+        <a:spcAft>
+          <a:spcPct val="0"/>
+        </a:spcAft>
+        <a:buChar char="–"/>
         <a:defRPr sz="2800" kern="1200">
           <a:solidFill>
             <a:schemeClr val="tx1"/>
@@ -2687,15 +3183,14 @@
           <a:ea typeface="+mn-ea"/>
           <a:cs typeface="+mn-cs"/>
         </a:defRPr>
-      </a:lvl1pPr>
-      <a:lvl2pPr marL="685800" indent="-228600" algn="l" defTabSz="914400" rtl="0" eaLnBrk="1" latinLnBrk="0" hangingPunct="1">
-        <a:lnSpc>
-          <a:spcPct val="90000"/>
-        </a:lnSpc>
+      </a:lvl2pPr>
+      <a:lvl3pPr marL="1143000" indent="-228600" algn="l" rtl="0" fontAlgn="base">
         <a:spcBef>
-          <a:spcPts val="500"/>
+          <a:spcPct val="20000"/>
         </a:spcBef>
-        <a:buFont typeface="Arial" panose="020B0604020202020204" pitchFamily="34" charset="0"/>
+        <a:spcAft>
+          <a:spcPct val="0"/>
+        </a:spcAft>
         <a:buChar char="•"/>
         <a:defRPr sz="2400" kern="1200">
           <a:solidFill>
@@ -2705,16 +3200,15 @@
           <a:ea typeface="+mn-ea"/>
           <a:cs typeface="+mn-cs"/>
         </a:defRPr>
-      </a:lvl2pPr>
-      <a:lvl3pPr marL="1143000" indent="-228600" algn="l" defTabSz="914400" rtl="0" eaLnBrk="1" latinLnBrk="0" hangingPunct="1">
-        <a:lnSpc>
-          <a:spcPct val="90000"/>
-        </a:lnSpc>
+      </a:lvl3pPr>
+      <a:lvl4pPr marL="1600200" indent="-228600" algn="l" rtl="0" fontAlgn="base">
         <a:spcBef>
-          <a:spcPts val="500"/>
+          <a:spcPct val="20000"/>
         </a:spcBef>
-        <a:buFont typeface="Arial" panose="020B0604020202020204" pitchFamily="34" charset="0"/>
-        <a:buChar char="•"/>
+        <a:spcAft>
+          <a:spcPct val="0"/>
+        </a:spcAft>
+        <a:buChar char="–"/>
         <a:defRPr sz="2000" kern="1200">
           <a:solidFill>
             <a:schemeClr val="tx1"/>
@@ -2723,35 +3217,16 @@
           <a:ea typeface="+mn-ea"/>
           <a:cs typeface="+mn-cs"/>
         </a:defRPr>
-      </a:lvl3pPr>
-      <a:lvl4pPr marL="1600200" indent="-228600" algn="l" defTabSz="914400" rtl="0" eaLnBrk="1" latinLnBrk="0" hangingPunct="1">
-        <a:lnSpc>
-          <a:spcPct val="90000"/>
-        </a:lnSpc>
+      </a:lvl4pPr>
+      <a:lvl5pPr marL="2057400" indent="-228600" algn="l" rtl="0" fontAlgn="base">
         <a:spcBef>
-          <a:spcPts val="500"/>
+          <a:spcPct val="20000"/>
         </a:spcBef>
-        <a:buFont typeface="Arial" panose="020B0604020202020204" pitchFamily="34" charset="0"/>
-        <a:buChar char="•"/>
-        <a:defRPr sz="1800" kern="1200">
-          <a:solidFill>
-            <a:schemeClr val="tx1"/>
-          </a:solidFill>
-          <a:latin typeface="+mn-lt"/>
-          <a:ea typeface="+mn-ea"/>
-          <a:cs typeface="+mn-cs"/>
-        </a:defRPr>
-      </a:lvl4pPr>
-      <a:lvl5pPr marL="2057400" indent="-228600" algn="l" defTabSz="914400" rtl="0" eaLnBrk="1" latinLnBrk="0" hangingPunct="1">
-        <a:lnSpc>
-          <a:spcPct val="90000"/>
-        </a:lnSpc>
-        <a:spcBef>
-          <a:spcPts val="500"/>
-        </a:spcBef>
-        <a:buFont typeface="Arial" panose="020B0604020202020204" pitchFamily="34" charset="0"/>
-        <a:buChar char="•"/>
-        <a:defRPr sz="1800" kern="1200">
+        <a:spcAft>
+          <a:spcPct val="0"/>
+        </a:spcAft>
+        <a:buChar char="»"/>
+        <a:defRPr sz="2000" kern="1200">
           <a:solidFill>
             <a:schemeClr val="tx1"/>
           </a:solidFill>
@@ -3029,38 +3504,53 @@
           <a:p>
             <a:r>
               <a:rPr lang="en-US"/>
-              <a:t>Bagaimana Membuat Mobil</a:t>
-            </a:r>
-            <a:endParaRPr lang="en-US"/>
-          </a:p>
-        </p:txBody>
-      </p:sp>
-      <p:pic>
-        <p:nvPicPr>
-          <p:cNvPr id="4" name="Content Placeholder 3"/>
-          <p:cNvPicPr>
-            <a:picLocks noChangeAspect="1"/>
-          </p:cNvPicPr>
+              <a:t>Object Oriented Programming</a:t>
+            </a:r>
+            <a:endParaRPr lang="en-US"/>
+          </a:p>
+        </p:txBody>
+      </p:sp>
+      <p:sp>
+        <p:nvSpPr>
+          <p:cNvPr id="3" name="Content Placeholder 2"/>
+          <p:cNvSpPr>
+            <a:spLocks noGrp="1"/>
+          </p:cNvSpPr>
           <p:nvPr>
             <p:ph idx="1"/>
           </p:nvPr>
-        </p:nvPicPr>
-        <p:blipFill>
-          <a:blip r:embed="rId1"/>
-          <a:stretch>
-            <a:fillRect/>
-          </a:stretch>
-        </p:blipFill>
-        <p:spPr>
-          <a:xfrm>
-            <a:off x="1953895" y="1500505"/>
-            <a:ext cx="7584440" cy="4742180"/>
-          </a:xfrm>
-          <a:prstGeom prst="rect">
-            <a:avLst/>
-          </a:prstGeom>
-        </p:spPr>
-      </p:pic>
+        </p:nvSpPr>
+        <p:spPr/>
+        <p:txBody>
+          <a:bodyPr>
+            <a:normAutofit/>
+          </a:bodyPr>
+          <a:p>
+            <a:r>
+              <a:rPr lang="en-US"/>
+              <a:t>PBO atau dalam bahasa inggris OOP (Object Oriented Programming) adalah suatu metode pemrograman yang berorientasi kepada objek.</a:t>
+            </a:r>
+            <a:endParaRPr lang="en-US"/>
+          </a:p>
+          <a:p>
+            <a:r>
+              <a:rPr lang="en-US"/>
+              <a:t>Tujuan dari OOP diciptakan adalah untuk mempermudah pengembangan program dengan cara mengikuti model yang telah ada di kehidupan sehari-hari.</a:t>
+            </a:r>
+            <a:endParaRPr lang="en-US"/>
+          </a:p>
+          <a:p>
+            <a:r>
+              <a:rPr lang="en-US"/>
+              <a:t>Jadi setiap bagian dari suatu permasalahan adalah objek, objek itu sendiri merupakan gabungan dari beberapa objek yang lebih kecil lagi.</a:t>
+            </a:r>
+            <a:endParaRPr lang="en-US"/>
+          </a:p>
+          <a:p>
+            <a:endParaRPr lang="en-US"/>
+          </a:p>
+        </p:txBody>
+      </p:sp>
     </p:spTree>
   </p:cSld>
   <p:clrMapOvr>
@@ -3079,28 +3569,6 @@
         <p:nvPr/>
       </p:nvGrpSpPr>
       <p:grpSpPr/>
-      <p:sp>
-        <p:nvSpPr>
-          <p:cNvPr id="2" name="Title 1"/>
-          <p:cNvSpPr>
-            <a:spLocks noGrp="1"/>
-          </p:cNvSpPr>
-          <p:nvPr>
-            <p:ph type="title"/>
-          </p:nvPr>
-        </p:nvSpPr>
-        <p:spPr/>
-        <p:txBody>
-          <a:bodyPr/>
-          <a:p>
-            <a:r>
-              <a:rPr lang="en-US"/>
-              <a:t>Bagaimana Pedal Gas Bekerja?</a:t>
-            </a:r>
-            <a:endParaRPr lang="en-US"/>
-          </a:p>
-        </p:txBody>
-      </p:sp>
       <p:pic>
         <p:nvPicPr>
           <p:cNvPr id="4" name="Content Placeholder 3"/>
@@ -3108,7 +3576,7 @@
             <a:picLocks noChangeAspect="1"/>
           </p:cNvPicPr>
           <p:nvPr>
-            <p:ph idx="1"/>
+            <p:ph sz="half" idx="2"/>
           </p:nvPr>
         </p:nvPicPr>
         <p:blipFill>
@@ -3119,14 +3587,79 @@
         </p:blipFill>
         <p:spPr>
           <a:xfrm>
-            <a:off x="1590040" y="1826260"/>
-            <a:ext cx="9174480" cy="4151630"/>
+            <a:off x="7764780" y="2249805"/>
+            <a:ext cx="4114165" cy="2347595"/>
           </a:xfrm>
           <a:prstGeom prst="rect">
             <a:avLst/>
           </a:prstGeom>
         </p:spPr>
       </p:pic>
+      <p:sp>
+        <p:nvSpPr>
+          <p:cNvPr id="2" name="Title 1"/>
+          <p:cNvSpPr>
+            <a:spLocks noGrp="1"/>
+          </p:cNvSpPr>
+          <p:nvPr>
+            <p:ph type="title"/>
+          </p:nvPr>
+        </p:nvSpPr>
+        <p:spPr/>
+        <p:txBody>
+          <a:bodyPr/>
+          <a:p>
+            <a:r>
+              <a:rPr lang="en-US"/>
+              <a:t>Object Oriented Programming</a:t>
+            </a:r>
+            <a:endParaRPr lang="en-US"/>
+          </a:p>
+        </p:txBody>
+      </p:sp>
+      <p:sp>
+        <p:nvSpPr>
+          <p:cNvPr id="3" name="Content Placeholder 2"/>
+          <p:cNvSpPr>
+            <a:spLocks noGrp="1"/>
+          </p:cNvSpPr>
+          <p:nvPr>
+            <p:ph sz="half" idx="1"/>
+          </p:nvPr>
+        </p:nvSpPr>
+        <p:spPr>
+          <a:xfrm>
+            <a:off x="609600" y="1174750"/>
+            <a:ext cx="7894320" cy="4953000"/>
+          </a:xfrm>
+        </p:spPr>
+        <p:txBody>
+          <a:bodyPr>
+            <a:normAutofit fontScale="90000"/>
+          </a:bodyPr>
+          <a:p>
+            <a:r>
+              <a:rPr lang="en-US"/>
+              <a:t>Contohnya: Pesawat</a:t>
+            </a:r>
+            <a:br>
+              <a:rPr lang="en-US"/>
+            </a:br>
+            <a:r>
+              <a:rPr lang="en-US"/>
+              <a:t>Pesawat adalah sebuah objek. Pesawat itu sendiri terbentuk dari beberapa objek yang lebih kecil yang saliing berhubungan, seperti mesin, roda, baling-baling, kursi, dll. </a:t>
+            </a:r>
+            <a:endParaRPr lang="en-US"/>
+          </a:p>
+          <a:p>
+            <a:r>
+              <a:rPr lang="en-US"/>
+              <a:t>Begitu juga dengan program, sebuah objek yang besar dibentuk dari beberapa objek yang lebih kecil, objek-objek itu saling berkomunikasi, dan saling berkirim pesan kepada objek yang lain.</a:t>
+            </a:r>
+            <a:endParaRPr lang="en-US"/>
+          </a:p>
+        </p:txBody>
+      </p:sp>
     </p:spTree>
   </p:cSld>
   <p:clrMapOvr>
@@ -3155,13 +3688,19 @@
             <p:ph type="title"/>
           </p:nvPr>
         </p:nvSpPr>
-        <p:spPr/>
-        <p:txBody>
-          <a:bodyPr/>
-          <a:p>
-            <a:r>
-              <a:rPr lang="en-US"/>
-              <a:t>Desain Mobil &gt;&gt; Objek Mobil</a:t>
+        <p:spPr>
+          <a:xfrm>
+            <a:off x="340995" y="190500"/>
+            <a:ext cx="9914890" cy="582930"/>
+          </a:xfrm>
+        </p:spPr>
+        <p:txBody>
+          <a:bodyPr/>
+          <a:p>
+            <a:pPr algn="ctr"/>
+            <a:r>
+              <a:rPr lang="en-US"/>
+              <a:t>Prosedural           vs                    OOP    .</a:t>
             </a:r>
             <a:endParaRPr lang="en-US"/>
           </a:p>
@@ -3169,7 +3708,7 @@
       </p:sp>
       <p:pic>
         <p:nvPicPr>
-          <p:cNvPr id="4" name="Content Placeholder 3"/>
+          <p:cNvPr id="8" name="Content Placeholder 7"/>
           <p:cNvPicPr>
             <a:picLocks noChangeAspect="1"/>
           </p:cNvPicPr>
@@ -3185,8 +3724,32 @@
         </p:blipFill>
         <p:spPr>
           <a:xfrm>
-            <a:off x="2423160" y="1990090"/>
-            <a:ext cx="6894195" cy="4559300"/>
+            <a:off x="698500" y="1502410"/>
+            <a:ext cx="3216910" cy="3129915"/>
+          </a:xfrm>
+          <a:prstGeom prst="rect">
+            <a:avLst/>
+          </a:prstGeom>
+        </p:spPr>
+      </p:pic>
+      <p:pic>
+        <p:nvPicPr>
+          <p:cNvPr id="9" name="Picture 8"/>
+          <p:cNvPicPr>
+            <a:picLocks noChangeAspect="1"/>
+          </p:cNvPicPr>
+          <p:nvPr/>
+        </p:nvPicPr>
+        <p:blipFill>
+          <a:blip r:embed="rId2"/>
+          <a:stretch>
+            <a:fillRect/>
+          </a:stretch>
+        </p:blipFill>
+        <p:spPr>
+          <a:xfrm>
+            <a:off x="6532245" y="1502410"/>
+            <a:ext cx="3308350" cy="2481580"/>
           </a:xfrm>
           <a:prstGeom prst="rect">
             <a:avLst/>
@@ -3227,38 +3790,62 @@
           <a:p>
             <a:r>
               <a:rPr lang="en-US"/>
-              <a:t>OOP</a:t>
-            </a:r>
-            <a:endParaRPr lang="en-US"/>
-          </a:p>
-        </p:txBody>
-      </p:sp>
-      <p:pic>
-        <p:nvPicPr>
-          <p:cNvPr id="4" name="Content Placeholder 3"/>
-          <p:cNvPicPr>
-            <a:picLocks noChangeAspect="1"/>
-          </p:cNvPicPr>
+              <a:t>Kelebihan OOP</a:t>
+            </a:r>
+            <a:endParaRPr lang="en-US"/>
+          </a:p>
+        </p:txBody>
+      </p:sp>
+      <p:sp>
+        <p:nvSpPr>
+          <p:cNvPr id="3" name="Content Placeholder 2"/>
+          <p:cNvSpPr>
+            <a:spLocks noGrp="1"/>
+          </p:cNvSpPr>
           <p:nvPr>
             <p:ph idx="1"/>
           </p:nvPr>
-        </p:nvPicPr>
-        <p:blipFill>
-          <a:blip r:embed="rId1"/>
-          <a:stretch>
-            <a:fillRect/>
-          </a:stretch>
-        </p:blipFill>
-        <p:spPr>
-          <a:xfrm>
-            <a:off x="838200" y="1913890"/>
-            <a:ext cx="9478645" cy="3623945"/>
-          </a:xfrm>
-          <a:prstGeom prst="rect">
-            <a:avLst/>
-          </a:prstGeom>
-        </p:spPr>
-      </p:pic>
+        </p:nvSpPr>
+        <p:spPr/>
+        <p:txBody>
+          <a:bodyPr/>
+          <a:p>
+            <a:r>
+              <a:rPr lang="en-US" sz="4000"/>
+              <a:t>Real world programming</a:t>
+            </a:r>
+            <a:endParaRPr lang="en-US" sz="4000"/>
+          </a:p>
+          <a:p>
+            <a:r>
+              <a:rPr lang="en-US" sz="4000"/>
+              <a:t>Reusability of code</a:t>
+            </a:r>
+            <a:endParaRPr lang="en-US" sz="4000"/>
+          </a:p>
+          <a:p>
+            <a:r>
+              <a:rPr lang="en-US" sz="4000"/>
+              <a:t>Resilience to change</a:t>
+            </a:r>
+            <a:endParaRPr lang="en-US" sz="4000"/>
+          </a:p>
+          <a:p>
+            <a:r>
+              <a:rPr lang="en-US" sz="4000"/>
+              <a:t>Information hiding</a:t>
+            </a:r>
+            <a:endParaRPr lang="en-US" sz="4000"/>
+          </a:p>
+          <a:p>
+            <a:r>
+              <a:rPr lang="en-US" sz="4000"/>
+              <a:t>Modularity of code</a:t>
+            </a:r>
+            <a:endParaRPr lang="en-US" sz="4000"/>
+          </a:p>
+        </p:txBody>
+      </p:sp>
     </p:spTree>
   </p:cSld>
   <p:clrMapOvr>
@@ -3293,7 +3880,7 @@
           <a:p>
             <a:r>
               <a:rPr lang="en-US"/>
-              <a:t>Terminologi OOP</a:t>
+              <a:t>Kekurangan OOP</a:t>
             </a:r>
             <a:endParaRPr lang="en-US"/>
           </a:p>
@@ -3315,49 +3902,14 @@
           <a:p>
             <a:r>
               <a:rPr lang="en-US"/>
-              <a:t>Class</a:t>
-            </a:r>
-            <a:endParaRPr lang="en-US"/>
-          </a:p>
-          <a:p>
-            <a:r>
-              <a:rPr lang="en-US"/>
-              <a:t>Attribute/Property</a:t>
-            </a:r>
-            <a:endParaRPr lang="en-US"/>
-          </a:p>
-          <a:p>
-            <a:r>
-              <a:rPr lang="en-US"/>
-              <a:t>Method/Function/Procedure</a:t>
-            </a:r>
-            <a:endParaRPr lang="en-US"/>
-          </a:p>
-          <a:p>
-            <a:r>
-              <a:rPr lang="en-US"/>
-              <a:t>Object</a:t>
-            </a:r>
-            <a:endParaRPr lang="en-US"/>
-          </a:p>
-          <a:p>
-            <a:r>
-              <a:rPr lang="en-US"/>
-              <a:t>Encapsulation</a:t>
-            </a:r>
-            <a:endParaRPr lang="en-US"/>
-          </a:p>
-          <a:p>
-            <a:r>
-              <a:rPr lang="en-US"/>
-              <a:t>Inheritance</a:t>
-            </a:r>
-            <a:endParaRPr lang="en-US"/>
-          </a:p>
-          <a:p>
-            <a:r>
-              <a:rPr lang="en-US"/>
-              <a:t>Polymorphism</a:t>
+              <a:t>Kode program relatif lebih banyak</a:t>
+            </a:r>
+            <a:endParaRPr lang="en-US"/>
+          </a:p>
+          <a:p>
+            <a:r>
+              <a:rPr lang="en-US"/>
+              <a:t>Performance berkurang</a:t>
             </a:r>
             <a:endParaRPr lang="en-US"/>
           </a:p>
@@ -3386,7 +3938,7 @@
       <p:grpSpPr/>
       <p:sp>
         <p:nvSpPr>
-          <p:cNvPr id="2" name="Title 1"/>
+          <p:cNvPr id="4" name="Title 3"/>
           <p:cNvSpPr>
             <a:spLocks noGrp="1"/>
           </p:cNvSpPr>
@@ -3400,38 +3952,30 @@
           <a:p>
             <a:r>
               <a:rPr lang="en-US"/>
-              <a:t>Class &amp; Object</a:t>
-            </a:r>
-            <a:endParaRPr lang="en-US"/>
-          </a:p>
-        </p:txBody>
-      </p:sp>
-      <p:pic>
-        <p:nvPicPr>
-          <p:cNvPr id="4" name="Content Placeholder 3"/>
-          <p:cNvPicPr>
-            <a:picLocks noChangeAspect="1"/>
-          </p:cNvPicPr>
-          <p:nvPr>
-            <p:ph idx="1"/>
-          </p:nvPr>
-        </p:nvPicPr>
-        <p:blipFill>
-          <a:blip r:embed="rId1"/>
-          <a:stretch>
-            <a:fillRect/>
-          </a:stretch>
-        </p:blipFill>
-        <p:spPr>
-          <a:xfrm>
-            <a:off x="2157095" y="1868805"/>
-            <a:ext cx="7212965" cy="4683760"/>
-          </a:xfrm>
-          <a:prstGeom prst="rect">
-            <a:avLst/>
-          </a:prstGeom>
-        </p:spPr>
-      </p:pic>
+              <a:t>Mengenal OOP</a:t>
+            </a:r>
+            <a:endParaRPr lang="en-US"/>
+          </a:p>
+        </p:txBody>
+      </p:sp>
+      <p:sp>
+        <p:nvSpPr>
+          <p:cNvPr id="5" name="Text Placeholder 4"/>
+          <p:cNvSpPr>
+            <a:spLocks noGrp="1"/>
+          </p:cNvSpPr>
+          <p:nvPr>
+            <p:ph type="body" idx="1"/>
+          </p:nvPr>
+        </p:nvSpPr>
+        <p:spPr/>
+        <p:txBody>
+          <a:bodyPr/>
+          <a:p>
+            <a:endParaRPr lang="en-US"/>
+          </a:p>
+        </p:txBody>
+      </p:sp>
     </p:spTree>
   </p:cSld>
   <p:clrMapOvr>
@@ -3462,13 +4006,55 @@
         </p:nvSpPr>
         <p:spPr/>
         <p:txBody>
-          <a:bodyPr>
-            <a:normAutofit fontScale="90000"/>
-          </a:bodyPr>
-          <a:p>
-            <a:r>
-              <a:rPr lang="en-US"/>
-              <a:t>Contoh: Merancang Aplikasi Menggunakan OOP</a:t>
+          <a:bodyPr/>
+          <a:p>
+            <a:r>
+              <a:rPr lang="en-US"/>
+              <a:t>Mengenal OOP</a:t>
+            </a:r>
+            <a:endParaRPr lang="en-US"/>
+          </a:p>
+        </p:txBody>
+      </p:sp>
+      <p:sp>
+        <p:nvSpPr>
+          <p:cNvPr id="3" name="Content Placeholder 2"/>
+          <p:cNvSpPr>
+            <a:spLocks noGrp="1"/>
+          </p:cNvSpPr>
+          <p:nvPr>
+            <p:ph idx="1"/>
+          </p:nvPr>
+        </p:nvSpPr>
+        <p:spPr/>
+        <p:txBody>
+          <a:bodyPr/>
+          <a:p>
+            <a:r>
+              <a:rPr lang="en-US"/>
+              <a:t>Coba membuat animasi menggunakan </a:t>
+            </a:r>
+            <a:r>
+              <a:rPr lang="en-US" i="1"/>
+              <a:t>Scratch</a:t>
+            </a:r>
+            <a:r>
+              <a:rPr lang="en-US"/>
+              <a:t>.</a:t>
+            </a:r>
+            <a:endParaRPr lang="en-US"/>
+          </a:p>
+          <a:p>
+            <a:r>
+              <a:rPr lang="en-US"/>
+              <a:t>URL: https://scratch.mit.edu/</a:t>
+            </a:r>
+            <a:endParaRPr lang="en-US"/>
+          </a:p>
+          <a:p>
+            <a:r>
+              <a:rPr lang="en-US"/>
+              <a:t>https://scratch.mit.edu/projects/985625672</a:t>
             </a:r>
             <a:endParaRPr lang="en-US"/>
           </a:p>
@@ -3476,13 +4062,11 @@
       </p:sp>
       <p:pic>
         <p:nvPicPr>
-          <p:cNvPr id="4" name="Content Placeholder 3"/>
+          <p:cNvPr id="4" name="Picture 3"/>
           <p:cNvPicPr>
             <a:picLocks noChangeAspect="1"/>
           </p:cNvPicPr>
-          <p:nvPr>
-            <p:ph idx="1"/>
-          </p:nvPr>
+          <p:nvPr/>
         </p:nvPicPr>
         <p:blipFill>
           <a:blip r:embed="rId1"/>
@@ -3492,8 +4076,8 @@
         </p:blipFill>
         <p:spPr>
           <a:xfrm>
-            <a:off x="1520825" y="1911985"/>
-            <a:ext cx="8608060" cy="4372610"/>
+            <a:off x="2313305" y="2963545"/>
+            <a:ext cx="6572250" cy="3750945"/>
           </a:xfrm>
           <a:prstGeom prst="rect">
             <a:avLst/>
@@ -3518,28 +4102,6 @@
         <p:nvPr/>
       </p:nvGrpSpPr>
       <p:grpSpPr/>
-      <p:sp>
-        <p:nvSpPr>
-          <p:cNvPr id="2" name="Title 1"/>
-          <p:cNvSpPr>
-            <a:spLocks noGrp="1"/>
-          </p:cNvSpPr>
-          <p:nvPr>
-            <p:ph type="title"/>
-          </p:nvPr>
-        </p:nvSpPr>
-        <p:spPr/>
-        <p:txBody>
-          <a:bodyPr/>
-          <a:p>
-            <a:r>
-              <a:rPr lang="en-US"/>
-              <a:t>Analogi Pabrik Mobil &amp; Program Bank</a:t>
-            </a:r>
-            <a:endParaRPr lang="en-US"/>
-          </a:p>
-        </p:txBody>
-      </p:sp>
       <p:pic>
         <p:nvPicPr>
           <p:cNvPr id="4" name="Content Placeholder 3"/>
@@ -3552,14 +4114,15 @@
         </p:nvPicPr>
         <p:blipFill>
           <a:blip r:embed="rId1"/>
+          <a:srcRect t="6897"/>
           <a:stretch>
             <a:fillRect/>
           </a:stretch>
         </p:blipFill>
         <p:spPr>
           <a:xfrm>
-            <a:off x="2107565" y="1752600"/>
-            <a:ext cx="7976870" cy="4952365"/>
+            <a:off x="635" y="595630"/>
+            <a:ext cx="12191365" cy="5666740"/>
           </a:xfrm>
           <a:prstGeom prst="rect">
             <a:avLst/>
@@ -3600,45 +4163,57 @@
           <a:p>
             <a:r>
               <a:rPr lang="en-US"/>
+              <a:t>Terminologi OOP</a:t>
+            </a:r>
+            <a:endParaRPr lang="en-US"/>
+          </a:p>
+        </p:txBody>
+      </p:sp>
+      <p:sp>
+        <p:nvSpPr>
+          <p:cNvPr id="3" name="Content Placeholder 2"/>
+          <p:cNvSpPr>
+            <a:spLocks noGrp="1"/>
+          </p:cNvSpPr>
+          <p:nvPr>
+            <p:ph idx="1"/>
+          </p:nvPr>
+        </p:nvSpPr>
+        <p:spPr/>
+        <p:txBody>
+          <a:bodyPr/>
+          <a:p>
+            <a:r>
+              <a:rPr lang="en-US"/>
               <a:t>Class</a:t>
             </a:r>
             <a:endParaRPr lang="en-US"/>
           </a:p>
-        </p:txBody>
-      </p:sp>
-      <p:sp>
-        <p:nvSpPr>
-          <p:cNvPr id="3" name="Content Placeholder 2"/>
-          <p:cNvSpPr>
-            <a:spLocks noGrp="1"/>
-          </p:cNvSpPr>
-          <p:nvPr>
-            <p:ph idx="1"/>
-          </p:nvPr>
-        </p:nvSpPr>
-        <p:spPr/>
-        <p:txBody>
-          <a:bodyPr>
-            <a:normAutofit/>
-          </a:bodyPr>
-          <a:p>
-            <a:r>
-              <a:rPr lang="en-US"/>
-              <a:t>Class adalah suatu template yang digunakan untuk membuat objek.</a:t>
-            </a:r>
-            <a:endParaRPr lang="en-US"/>
-          </a:p>
-          <a:p>
-            <a:r>
-              <a:rPr lang="en-US"/>
-              <a:t>Class merupakan sebuah prototipe atau blueprints yang mendefinisikan variabel-variabel dan method-method secara umum.</a:t>
-            </a:r>
-            <a:endParaRPr lang="en-US"/>
-          </a:p>
-          <a:p>
-            <a:r>
-              <a:rPr lang="en-US"/>
-              <a:t>Sebuah program yang utuh terdiri dari beberapa class yang saling berinteraksi satu sama lain. Class yang serupa atau memiliki kesamaan dikumpulkan dalam satu paket (module).</a:t>
+          <a:p>
+            <a:r>
+              <a:rPr lang="en-US"/>
+              <a:t>Attribute/Property</a:t>
+            </a:r>
+            <a:endParaRPr lang="en-US"/>
+          </a:p>
+          <a:p>
+            <a:r>
+              <a:rPr lang="en-US"/>
+              <a:t>Method/Function/Procedure</a:t>
+            </a:r>
+            <a:endParaRPr lang="en-US"/>
+          </a:p>
+          <a:p>
+            <a:r>
+              <a:rPr lang="en-US"/>
+              <a:t>Object</a:t>
+            </a:r>
+            <a:endParaRPr lang="en-US"/>
+          </a:p>
+          <a:p>
+            <a:r>
+              <a:rPr lang="en-US"/>
+              <a:t>Parameter</a:t>
             </a:r>
             <a:endParaRPr lang="en-US"/>
           </a:p>
@@ -3678,7 +4253,7 @@
           <a:p>
             <a:r>
               <a:rPr lang="en-US"/>
-              <a:t>Attribute</a:t>
+              <a:t>Class</a:t>
             </a:r>
             <a:endParaRPr lang="en-US"/>
           </a:p>
@@ -3697,35 +4272,26 @@
         <p:spPr/>
         <p:txBody>
           <a:bodyPr>
-            <a:normAutofit lnSpcReduction="10000"/>
+            <a:normAutofit/>
           </a:bodyPr>
           <a:p>
             <a:r>
               <a:rPr lang="en-US"/>
-              <a:t>Atribut adalah data yang membedakan antara objek satu dengan yang lainnya. </a:t>
-            </a:r>
-            <a:endParaRPr lang="en-US"/>
-          </a:p>
-          <a:p>
-            <a:r>
-              <a:rPr lang="en-US"/>
-              <a:t>Atribut dibedakan menjadi dua jenis yaitu Instance Variable dan Class Variable.</a:t>
-            </a:r>
-            <a:endParaRPr lang="en-US"/>
-          </a:p>
-          <a:p>
-            <a:pPr lvl="1"/>
-            <a:r>
-              <a:rPr lang="en-US"/>
-              <a:t>Instance Variable adalah atribut untuk tiap objek yang kelasnya sama.</a:t>
-            </a:r>
-            <a:endParaRPr lang="en-US"/>
-          </a:p>
-          <a:p>
-            <a:pPr lvl="1"/>
-            <a:r>
-              <a:rPr lang="en-US"/>
-              <a:t>Class Variable adalah atribut untuk semua objek yang dibuat dari class yang sama.</a:t>
+              <a:t>Class adalah suatu template yang digunakan untuk membuat objek.</a:t>
+            </a:r>
+            <a:endParaRPr lang="en-US"/>
+          </a:p>
+          <a:p>
+            <a:r>
+              <a:rPr lang="en-US"/>
+              <a:t>Class merupakan sebuah prototipe atau blueprints yang mendefinisikan variabel-variabel dan method-method secara umum.</a:t>
+            </a:r>
+            <a:endParaRPr lang="en-US"/>
+          </a:p>
+          <a:p>
+            <a:r>
+              <a:rPr lang="en-US"/>
+              <a:t>Sebuah program yang utuh terdiri dari beberapa class yang saling berinteraksi satu sama lain. Class yang serupa atau memiliki kesamaan dikumpulkan dalam satu paket (module).</a:t>
             </a:r>
             <a:endParaRPr lang="en-US"/>
           </a:p>
@@ -3751,7 +4317,7 @@
       <p:grpSpPr/>
       <p:sp>
         <p:nvSpPr>
-          <p:cNvPr id="2" name="Title 1"/>
+          <p:cNvPr id="4" name="Title 3"/>
           <p:cNvSpPr>
             <a:spLocks noGrp="1"/>
           </p:cNvSpPr>
@@ -3773,56 +4339,18 @@
       </p:sp>
       <p:sp>
         <p:nvSpPr>
-          <p:cNvPr id="3" name="Content Placeholder 2"/>
-          <p:cNvSpPr>
-            <a:spLocks noGrp="1"/>
-          </p:cNvSpPr>
-          <p:nvPr>
-            <p:ph idx="1"/>
-          </p:nvPr>
-        </p:nvSpPr>
-        <p:spPr/>
-        <p:txBody>
-          <a:bodyPr/>
-          <a:p>
-            <a:r>
-              <a:rPr lang="en-US"/>
-              <a:t>Imperatif/Prosedural: C, Pascal, BASIC</a:t>
-            </a:r>
-            <a:endParaRPr lang="en-US"/>
-          </a:p>
-          <a:p>
-            <a:r>
-              <a:rPr lang="en-US"/>
-              <a:t>Object Oriented (OOP) : Smalltalk, Java, Python, C#, VB.NET</a:t>
-            </a:r>
-            <a:endParaRPr lang="en-US"/>
-          </a:p>
-          <a:p>
-            <a:r>
-              <a:rPr lang="en-US"/>
-              <a:t>Functional: </a:t>
-            </a:r>
-            <a:r>
-              <a:rPr lang="en-US">
-                <a:sym typeface="+mn-ea"/>
-              </a:rPr>
-              <a:t>LISP, Scala, Scheme, Haskell</a:t>
-            </a:r>
-            <a:endParaRPr lang="en-US"/>
-          </a:p>
-          <a:p>
-            <a:r>
-              <a:rPr lang="en-US"/>
-              <a:t>Declarative/Logic/Predicative: PROLOG</a:t>
-            </a:r>
-            <a:endParaRPr lang="en-US"/>
-          </a:p>
-          <a:p>
-            <a:r>
-              <a:rPr lang="en-US"/>
-              <a:t>Concurent</a:t>
-            </a:r>
+          <p:cNvPr id="5" name="Text Placeholder 4"/>
+          <p:cNvSpPr>
+            <a:spLocks noGrp="1"/>
+          </p:cNvSpPr>
+          <p:nvPr>
+            <p:ph type="body" idx="1"/>
+          </p:nvPr>
+        </p:nvSpPr>
+        <p:spPr/>
+        <p:txBody>
+          <a:bodyPr/>
+          <a:p>
             <a:endParaRPr lang="en-US"/>
           </a:p>
         </p:txBody>
@@ -3861,7 +4389,7 @@
           <a:p>
             <a:r>
               <a:rPr lang="en-US"/>
-              <a:t>Method</a:t>
+              <a:t>Object</a:t>
             </a:r>
             <a:endParaRPr lang="en-US"/>
           </a:p>
@@ -3880,34 +4408,26 @@
         <p:spPr/>
         <p:txBody>
           <a:bodyPr>
-            <a:normAutofit lnSpcReduction="10000"/>
+            <a:normAutofit fontScale="90000"/>
           </a:bodyPr>
           <a:p>
             <a:r>
               <a:rPr lang="en-US"/>
-              <a:t>Method adalah serangkaian statement dalam suatu class yang menghandle suatu task tertentu, dan method merupakan cara objek berkomunikasi dengan objek yang lain. Method disebut juga dengan Aksi.</a:t>
-            </a:r>
-            <a:endParaRPr lang="en-US"/>
-          </a:p>
-          <a:p>
-            <a:r>
-              <a:rPr lang="en-US"/>
-              <a:t>Method berfungsi untuk memodifikasi atau mengambil nilai pada atribut.</a:t>
-            </a:r>
-            <a:endParaRPr lang="en-US"/>
-          </a:p>
-          <a:p>
-            <a:r>
-              <a:rPr lang="en-US"/>
-              <a:t>Contoh:</a:t>
-            </a:r>
-            <a:endParaRPr lang="en-US"/>
-          </a:p>
-          <a:p>
-            <a:pPr lvl="1"/>
-            <a:r>
-              <a:rPr lang="en-US"/>
-              <a:t>Class Mobil memiliki atribut berat, warna, merek, kecepatan dan sebagainya. Method pada Class tersebut bisa berupa tambah_kecepatan() atau ubah_warna().</a:t>
+              <a:t>Objek merupakan hasil instansiasi dari suatu class, dan merupakan dasar dari modularitas dan struktur dalam sebuah Program Komputer Berorientasi Objek.</a:t>
+            </a:r>
+            <a:endParaRPr lang="en-US"/>
+          </a:p>
+          <a:p>
+            <a:r>
+              <a:rPr lang="en-US"/>
+              <a:t>Objek berfungsi untuk membungkus prosedur dan fungsi bersama menjadi satu unit dalam sebuah program komputer.</a:t>
+            </a:r>
+            <a:endParaRPr lang="en-US"/>
+          </a:p>
+          <a:p>
+            <a:r>
+              <a:rPr lang="en-US"/>
+              <a:t>Dalam kode program, Class harus diimplementasikan menjadi sebuah objek, karena class tidak bisa langsung digunakan. Pembuatan Objek dari Class disebut Instansiasi. Objek disebut juga dengan instance dari suatu class.</a:t>
             </a:r>
             <a:endParaRPr lang="en-US"/>
           </a:p>
@@ -3947,7 +4467,7 @@
           <a:p>
             <a:r>
               <a:rPr lang="en-US"/>
-              <a:t>Object</a:t>
+              <a:t>Property/Attribute</a:t>
             </a:r>
             <a:endParaRPr lang="en-US"/>
           </a:p>
@@ -3966,33 +4486,19 @@
         <p:spPr/>
         <p:txBody>
           <a:bodyPr>
-            <a:normAutofit fontScale="90000"/>
+            <a:normAutofit lnSpcReduction="10000"/>
           </a:bodyPr>
           <a:p>
             <a:r>
               <a:rPr lang="en-US"/>
-              <a:t>Objek merupakan hasil instansiasi dari suatu class, dan merupakan dasar dari modularitas dan struktur dalam sebuah Program Komputer Berorientasi Objek.</a:t>
-            </a:r>
-            <a:endParaRPr lang="en-US"/>
-          </a:p>
-          <a:p>
-            <a:r>
-              <a:rPr lang="en-US"/>
-              <a:t>Objek berfungsi untuk membungkus prosedur dan fungsi bersama menjadi satu unit dalam sebuah program komputer.</a:t>
-            </a:r>
-            <a:endParaRPr lang="en-US"/>
-          </a:p>
-          <a:p>
-            <a:r>
-              <a:rPr lang="en-US"/>
-              <a:t>Dalam kode program, Class harus diimplementasikan menjadi sebuah objek, karena class tidak bisa langsung digunakan. Pembuatan Objek dari Class disebut Instansiasi. Objek disebut juga dengan instance dari suatu class.</a:t>
-            </a:r>
-            <a:endParaRPr lang="en-US"/>
-          </a:p>
-          <a:p>
-            <a:r>
-              <a:rPr lang="en-US"/>
-              <a:t>Contoh kode instansiasi objek obj dari class Barang:</a:t>
+              <a:t>Atribut adalah data yang membedakan antara objek satu dengan yang lainnya. </a:t>
+            </a:r>
+            <a:endParaRPr lang="en-US"/>
+          </a:p>
+          <a:p>
+            <a:r>
+              <a:rPr lang="en-US"/>
+              <a:t>Atribut dibedakan menjadi dua jenis yaitu Instance Variable dan Class Variable.</a:t>
             </a:r>
             <a:endParaRPr lang="en-US"/>
           </a:p>
@@ -4000,7 +4506,15 @@
             <a:pPr lvl="1"/>
             <a:r>
               <a:rPr lang="en-US"/>
-              <a:t>obj = Barang()</a:t>
+              <a:t>Instance Variable adalah atribut untuk tiap objek yang kelasnya sama.</a:t>
+            </a:r>
+            <a:endParaRPr lang="en-US"/>
+          </a:p>
+          <a:p>
+            <a:pPr lvl="1"/>
+            <a:r>
+              <a:rPr lang="en-US"/>
+              <a:t>Class Variable adalah atribut untuk semua objek yang dibuat dari class yang sama.</a:t>
             </a:r>
             <a:endParaRPr lang="en-US"/>
           </a:p>
@@ -4015,6 +4529,166 @@
 </file>
 
 <file path=ppt/slides/slide22.xml><?xml version="1.0" encoding="utf-8"?>
+<p:sld xmlns:a="http://schemas.openxmlformats.org/drawingml/2006/main" xmlns:r="http://schemas.openxmlformats.org/officeDocument/2006/relationships" xmlns:p="http://schemas.openxmlformats.org/presentationml/2006/main">
+  <p:cSld>
+    <p:spTree>
+      <p:nvGrpSpPr>
+        <p:cNvPr id="1" name=""/>
+        <p:cNvGrpSpPr/>
+        <p:nvPr/>
+      </p:nvGrpSpPr>
+      <p:grpSpPr/>
+      <p:sp>
+        <p:nvSpPr>
+          <p:cNvPr id="2" name="Title 1"/>
+          <p:cNvSpPr>
+            <a:spLocks noGrp="1"/>
+          </p:cNvSpPr>
+          <p:nvPr>
+            <p:ph type="title"/>
+          </p:nvPr>
+        </p:nvSpPr>
+        <p:spPr/>
+        <p:txBody>
+          <a:bodyPr/>
+          <a:p>
+            <a:r>
+              <a:rPr lang="en-US"/>
+              <a:t>Method/function</a:t>
+            </a:r>
+            <a:endParaRPr lang="en-US"/>
+          </a:p>
+        </p:txBody>
+      </p:sp>
+      <p:sp>
+        <p:nvSpPr>
+          <p:cNvPr id="3" name="Content Placeholder 2"/>
+          <p:cNvSpPr>
+            <a:spLocks noGrp="1"/>
+          </p:cNvSpPr>
+          <p:nvPr>
+            <p:ph idx="1"/>
+          </p:nvPr>
+        </p:nvSpPr>
+        <p:spPr/>
+        <p:txBody>
+          <a:bodyPr>
+            <a:normAutofit lnSpcReduction="20000"/>
+          </a:bodyPr>
+          <a:p>
+            <a:r>
+              <a:rPr lang="en-US"/>
+              <a:t>Method adalah serangkaian statement dalam suatu class.</a:t>
+            </a:r>
+            <a:endParaRPr lang="en-US"/>
+          </a:p>
+          <a:p>
+            <a:r>
+              <a:rPr lang="en-US"/>
+              <a:t>Method merupakan cara objek berkomunikasi dengan objek yang lain.</a:t>
+            </a:r>
+            <a:endParaRPr lang="en-US"/>
+          </a:p>
+          <a:p>
+            <a:r>
+              <a:rPr lang="en-US"/>
+              <a:t>Method berfungsi untuk memodifikasi atau mengambil nilai pada atribut.</a:t>
+            </a:r>
+            <a:endParaRPr lang="en-US"/>
+          </a:p>
+          <a:p>
+            <a:pPr marL="0" indent="0">
+              <a:buNone/>
+            </a:pPr>
+            <a:endParaRPr lang="en-US"/>
+          </a:p>
+        </p:txBody>
+      </p:sp>
+    </p:spTree>
+  </p:cSld>
+  <p:clrMapOvr>
+    <a:masterClrMapping/>
+  </p:clrMapOvr>
+</p:sld>
+</file>
+
+<file path=ppt/slides/slide23.xml><?xml version="1.0" encoding="utf-8"?>
+<p:sld xmlns:a="http://schemas.openxmlformats.org/drawingml/2006/main" xmlns:r="http://schemas.openxmlformats.org/officeDocument/2006/relationships" xmlns:p="http://schemas.openxmlformats.org/presentationml/2006/main">
+  <p:cSld>
+    <p:spTree>
+      <p:nvGrpSpPr>
+        <p:cNvPr id="1" name=""/>
+        <p:cNvGrpSpPr/>
+        <p:nvPr/>
+      </p:nvGrpSpPr>
+      <p:grpSpPr/>
+      <p:sp>
+        <p:nvSpPr>
+          <p:cNvPr id="2" name="Title 1"/>
+          <p:cNvSpPr>
+            <a:spLocks noGrp="1"/>
+          </p:cNvSpPr>
+          <p:nvPr>
+            <p:ph type="title"/>
+          </p:nvPr>
+        </p:nvSpPr>
+        <p:spPr/>
+        <p:txBody>
+          <a:bodyPr/>
+          <a:p>
+            <a:r>
+              <a:rPr lang="en-US"/>
+              <a:t>Parameter</a:t>
+            </a:r>
+            <a:endParaRPr lang="en-US"/>
+          </a:p>
+        </p:txBody>
+      </p:sp>
+      <p:sp>
+        <p:nvSpPr>
+          <p:cNvPr id="3" name="Content Placeholder 2"/>
+          <p:cNvSpPr>
+            <a:spLocks noGrp="1"/>
+          </p:cNvSpPr>
+          <p:nvPr>
+            <p:ph idx="1"/>
+          </p:nvPr>
+        </p:nvSpPr>
+        <p:spPr/>
+        <p:txBody>
+          <a:bodyPr/>
+          <a:p>
+            <a:r>
+              <a:rPr lang="en-US">
+                <a:sym typeface="+mn-ea"/>
+              </a:rPr>
+              <a:t>Memanggil method bisa juga disertai dengan parameter.</a:t>
+            </a:r>
+            <a:endParaRPr lang="en-US"/>
+          </a:p>
+          <a:p>
+            <a:r>
+              <a:rPr lang="en-US">
+                <a:sym typeface="+mn-ea"/>
+              </a:rPr>
+              <a:t>Parameter adalah nilai yang diberikan kepada suatu fungsi atau metode ketika dipanggil. Parameter digunakan untuk memberikan informasi yang diperlukan untuk menjalankan fungsi atau metode tersebut.</a:t>
+            </a:r>
+            <a:endParaRPr lang="en-US"/>
+          </a:p>
+          <a:p>
+            <a:endParaRPr lang="en-US"/>
+          </a:p>
+        </p:txBody>
+      </p:sp>
+    </p:spTree>
+  </p:cSld>
+  <p:clrMapOvr>
+    <a:masterClrMapping/>
+  </p:clrMapOvr>
+</p:sld>
+</file>
+
+<file path=ppt/slides/slide24.xml><?xml version="1.0" encoding="utf-8"?>
 <p:sld xmlns:a="http://schemas.openxmlformats.org/drawingml/2006/main" xmlns:r="http://schemas.openxmlformats.org/officeDocument/2006/relationships" xmlns:p="http://schemas.openxmlformats.org/presentationml/2006/main">
   <p:cSld>
     <p:spTree>
@@ -4317,257 +4991,7 @@
 </p:sld>
 </file>
 
-<file path=ppt/slides/slide23.xml><?xml version="1.0" encoding="utf-8"?>
-<p:sld xmlns:a="http://schemas.openxmlformats.org/drawingml/2006/main" xmlns:r="http://schemas.openxmlformats.org/officeDocument/2006/relationships" xmlns:p="http://schemas.openxmlformats.org/presentationml/2006/main">
-  <p:cSld>
-    <p:spTree>
-      <p:nvGrpSpPr>
-        <p:cNvPr id="1" name=""/>
-        <p:cNvGrpSpPr/>
-        <p:nvPr/>
-      </p:nvGrpSpPr>
-      <p:grpSpPr/>
-      <p:sp>
-        <p:nvSpPr>
-          <p:cNvPr id="2" name="Title 1"/>
-          <p:cNvSpPr>
-            <a:spLocks noGrp="1"/>
-          </p:cNvSpPr>
-          <p:nvPr>
-            <p:ph type="title"/>
-          </p:nvPr>
-        </p:nvSpPr>
-        <p:spPr/>
-        <p:txBody>
-          <a:bodyPr/>
-          <a:p>
-            <a:r>
-              <a:rPr lang="en-US"/>
-              <a:t>Encapsulation</a:t>
-            </a:r>
-            <a:endParaRPr lang="en-US"/>
-          </a:p>
-        </p:txBody>
-      </p:sp>
-      <p:sp>
-        <p:nvSpPr>
-          <p:cNvPr id="3" name="Content Placeholder 2"/>
-          <p:cNvSpPr>
-            <a:spLocks noGrp="1"/>
-          </p:cNvSpPr>
-          <p:nvPr>
-            <p:ph idx="1"/>
-          </p:nvPr>
-        </p:nvSpPr>
-        <p:spPr/>
-        <p:txBody>
-          <a:bodyPr>
-            <a:normAutofit lnSpcReduction="20000"/>
-          </a:bodyPr>
-          <a:p>
-            <a:r>
-              <a:rPr lang="en-US" b="1"/>
-              <a:t>Encapsulation </a:t>
-            </a:r>
-            <a:r>
-              <a:rPr lang="en-US"/>
-              <a:t>merupakan suatu pembungkus variable dan method dalam sebuah obyek yang terlindungi serta menyediakan interface untuk mengakses variable tersebut.</a:t>
-            </a:r>
-            <a:endParaRPr lang="en-US"/>
-          </a:p>
-          <a:p>
-            <a:r>
-              <a:rPr lang="en-US"/>
-              <a:t>Encapsulation disebut juga </a:t>
-            </a:r>
-            <a:r>
-              <a:rPr lang="en-US" i="1"/>
-              <a:t>Information Hidding</a:t>
-            </a:r>
-            <a:r>
-              <a:rPr lang="en-US"/>
-              <a:t> yang membuat data atau class tidak bisa diakses sembarangan.</a:t>
-            </a:r>
-            <a:endParaRPr lang="en-US"/>
-          </a:p>
-          <a:p>
-            <a:r>
-              <a:rPr lang="en-US"/>
-              <a:t>Encapsulation berfungsi untuk memastikan pengguna sebuah objek tidak dapat mengganti keadaan dalam/dari sebuah objek dengan cara yang tidak layak, hanya metode dalam objek tersebut yang diberi izin untuk mengakses keadaany</a:t>
-            </a:r>
-            <a:endParaRPr lang="en-US"/>
-          </a:p>
-        </p:txBody>
-      </p:sp>
-    </p:spTree>
-  </p:cSld>
-  <p:clrMapOvr>
-    <a:masterClrMapping/>
-  </p:clrMapOvr>
-</p:sld>
-</file>
-
-<file path=ppt/slides/slide24.xml><?xml version="1.0" encoding="utf-8"?>
-<p:sld xmlns:a="http://schemas.openxmlformats.org/drawingml/2006/main" xmlns:r="http://schemas.openxmlformats.org/officeDocument/2006/relationships" xmlns:p="http://schemas.openxmlformats.org/presentationml/2006/main">
-  <p:cSld>
-    <p:spTree>
-      <p:nvGrpSpPr>
-        <p:cNvPr id="1" name=""/>
-        <p:cNvGrpSpPr/>
-        <p:nvPr/>
-      </p:nvGrpSpPr>
-      <p:grpSpPr/>
-      <p:sp>
-        <p:nvSpPr>
-          <p:cNvPr id="2" name="Title 1"/>
-          <p:cNvSpPr>
-            <a:spLocks noGrp="1"/>
-          </p:cNvSpPr>
-          <p:nvPr>
-            <p:ph type="title"/>
-          </p:nvPr>
-        </p:nvSpPr>
-        <p:spPr/>
-        <p:txBody>
-          <a:bodyPr/>
-          <a:p>
-            <a:r>
-              <a:rPr lang="en-US"/>
-              <a:t>Inheritance</a:t>
-            </a:r>
-            <a:endParaRPr lang="en-US"/>
-          </a:p>
-        </p:txBody>
-      </p:sp>
-      <p:sp>
-        <p:nvSpPr>
-          <p:cNvPr id="3" name="Content Placeholder 2"/>
-          <p:cNvSpPr>
-            <a:spLocks noGrp="1"/>
-          </p:cNvSpPr>
-          <p:nvPr>
-            <p:ph idx="1"/>
-          </p:nvPr>
-        </p:nvSpPr>
-        <p:spPr/>
-        <p:txBody>
-          <a:bodyPr>
-            <a:normAutofit/>
-          </a:bodyPr>
-          <a:p>
-            <a:r>
-              <a:rPr lang="en-US"/>
-              <a:t>Inheritance merupakan pewarisan atribut dan method dari sebuah class ke class lainnya.</a:t>
-            </a:r>
-            <a:endParaRPr lang="en-US"/>
-          </a:p>
-          <a:p>
-            <a:r>
-              <a:rPr lang="en-US"/>
-              <a:t>Class induk disebut dengan </a:t>
-            </a:r>
-            <a:r>
-              <a:rPr lang="en-US" i="1"/>
-              <a:t>superclass</a:t>
-            </a:r>
-            <a:r>
-              <a:rPr lang="en-US"/>
-              <a:t>, sedangkan class anak disebut dengan subclass</a:t>
-            </a:r>
-            <a:endParaRPr lang="en-US"/>
-          </a:p>
-          <a:p>
-            <a:r>
-              <a:rPr lang="en-US"/>
-              <a:t>Prinsip dasar inheritance yaitu persamaan-persamaan yang dimiliki oleh beberapa kelas dapat digabungkan dalam sebuah kelas induk sehingga setiap kelas yang diturunkannya memuat hal-hal yang spesifik untuk kelas yang bersangkutan</a:t>
-            </a:r>
-            <a:endParaRPr lang="en-US"/>
-          </a:p>
-        </p:txBody>
-      </p:sp>
-    </p:spTree>
-  </p:cSld>
-  <p:clrMapOvr>
-    <a:masterClrMapping/>
-  </p:clrMapOvr>
-</p:sld>
-</file>
-
 <file path=ppt/slides/slide25.xml><?xml version="1.0" encoding="utf-8"?>
-<p:sld xmlns:a="http://schemas.openxmlformats.org/drawingml/2006/main" xmlns:r="http://schemas.openxmlformats.org/officeDocument/2006/relationships" xmlns:p="http://schemas.openxmlformats.org/presentationml/2006/main">
-  <p:cSld>
-    <p:spTree>
-      <p:nvGrpSpPr>
-        <p:cNvPr id="1" name=""/>
-        <p:cNvGrpSpPr/>
-        <p:nvPr/>
-      </p:nvGrpSpPr>
-      <p:grpSpPr/>
-      <p:sp>
-        <p:nvSpPr>
-          <p:cNvPr id="2" name="Title 1"/>
-          <p:cNvSpPr>
-            <a:spLocks noGrp="1"/>
-          </p:cNvSpPr>
-          <p:nvPr>
-            <p:ph type="title"/>
-          </p:nvPr>
-        </p:nvSpPr>
-        <p:spPr/>
-        <p:txBody>
-          <a:bodyPr/>
-          <a:p>
-            <a:r>
-              <a:rPr lang="en-US"/>
-              <a:t>Polimorfisme</a:t>
-            </a:r>
-            <a:endParaRPr lang="en-US"/>
-          </a:p>
-        </p:txBody>
-      </p:sp>
-      <p:sp>
-        <p:nvSpPr>
-          <p:cNvPr id="3" name="Content Placeholder 2"/>
-          <p:cNvSpPr>
-            <a:spLocks noGrp="1"/>
-          </p:cNvSpPr>
-          <p:nvPr>
-            <p:ph idx="1"/>
-          </p:nvPr>
-        </p:nvSpPr>
-        <p:spPr/>
-        <p:txBody>
-          <a:bodyPr>
-            <a:normAutofit/>
-          </a:bodyPr>
-          <a:p>
-            <a:r>
-              <a:rPr lang="en-US"/>
-              <a:t>Polimorfisme adalah kemampuan suatu objek untuk mempunyai lebih dari satu bentuk (satu nama banyak rupa).</a:t>
-            </a:r>
-            <a:endParaRPr lang="en-US"/>
-          </a:p>
-          <a:p>
-            <a:r>
-              <a:rPr lang="en-US"/>
-              <a:t>Dalam satu class bisa ada lebih dari satu method dengan nama yang sama tapi parameter-nya berbeda-beda. Sering ditemui dalam pemrograman GUI dengan TKinter.</a:t>
-            </a:r>
-            <a:endParaRPr lang="en-US"/>
-          </a:p>
-          <a:p>
-            <a:endParaRPr lang="en-US"/>
-          </a:p>
-        </p:txBody>
-      </p:sp>
-    </p:spTree>
-  </p:cSld>
-  <p:clrMapOvr>
-    <a:masterClrMapping/>
-  </p:clrMapOvr>
-</p:sld>
-</file>
-
-<file path=ppt/slides/slide26.xml><?xml version="1.0" encoding="utf-8"?>
 <p:sld xmlns:a="http://schemas.openxmlformats.org/drawingml/2006/main" xmlns:r="http://schemas.openxmlformats.org/officeDocument/2006/relationships" xmlns:p="http://schemas.openxmlformats.org/presentationml/2006/main">
   <p:cSld>
     <p:spTree>
@@ -4722,7 +5146,7 @@
 </p:sld>
 </file>
 
-<file path=ppt/slides/slide27.xml><?xml version="1.0" encoding="utf-8"?>
+<file path=ppt/slides/slide26.xml><?xml version="1.0" encoding="utf-8"?>
 <p:sld xmlns:a="http://schemas.openxmlformats.org/drawingml/2006/main" xmlns:r="http://schemas.openxmlformats.org/officeDocument/2006/relationships" xmlns:p="http://schemas.openxmlformats.org/presentationml/2006/main">
   <p:cSld>
     <p:spTree>
@@ -4803,7 +5227,7 @@
 </p:sld>
 </file>
 
-<file path=ppt/slides/slide28.xml><?xml version="1.0" encoding="utf-8"?>
+<file path=ppt/slides/slide27.xml><?xml version="1.0" encoding="utf-8"?>
 <p:sld xmlns:a="http://schemas.openxmlformats.org/drawingml/2006/main" xmlns:r="http://schemas.openxmlformats.org/officeDocument/2006/relationships" xmlns:p="http://schemas.openxmlformats.org/presentationml/2006/main">
   <p:cSld>
     <p:spTree>
@@ -4932,107 +5356,6 @@
 </p:sld>
 </file>
 
-<file path=ppt/slides/slide29.xml><?xml version="1.0" encoding="utf-8"?>
-<p:sld xmlns:a="http://schemas.openxmlformats.org/drawingml/2006/main" xmlns:r="http://schemas.openxmlformats.org/officeDocument/2006/relationships" xmlns:p="http://schemas.openxmlformats.org/presentationml/2006/main">
-  <p:cSld>
-    <p:spTree>
-      <p:nvGrpSpPr>
-        <p:cNvPr id="1" name=""/>
-        <p:cNvGrpSpPr/>
-        <p:nvPr/>
-      </p:nvGrpSpPr>
-      <p:grpSpPr/>
-      <p:sp>
-        <p:nvSpPr>
-          <p:cNvPr id="5" name="Title 4"/>
-          <p:cNvSpPr>
-            <a:spLocks noGrp="1"/>
-          </p:cNvSpPr>
-          <p:nvPr>
-            <p:ph type="title"/>
-          </p:nvPr>
-        </p:nvSpPr>
-        <p:spPr/>
-        <p:txBody>
-          <a:bodyPr/>
-          <a:p>
-            <a:r>
-              <a:rPr lang="en-US"/>
-              <a:t>Program yang digunakan</a:t>
-            </a:r>
-            <a:endParaRPr lang="en-US"/>
-          </a:p>
-        </p:txBody>
-      </p:sp>
-      <p:sp>
-        <p:nvSpPr>
-          <p:cNvPr id="6" name="Content Placeholder 5"/>
-          <p:cNvSpPr>
-            <a:spLocks noGrp="1"/>
-          </p:cNvSpPr>
-          <p:nvPr>
-            <p:ph idx="1"/>
-          </p:nvPr>
-        </p:nvSpPr>
-        <p:spPr/>
-        <p:txBody>
-          <a:bodyPr/>
-          <a:p>
-            <a:r>
-              <a:rPr lang="en-US"/>
-              <a:t>Python 3.7 (minimal, rekomendasi)</a:t>
-            </a:r>
-            <a:endParaRPr lang="en-US"/>
-          </a:p>
-          <a:p>
-            <a:pPr lvl="1"/>
-            <a:r>
-              <a:rPr lang="en-US" sz="2400"/>
-              <a:t>download: https://www.python.org/downloads/</a:t>
-            </a:r>
-            <a:endParaRPr lang="en-US" sz="2400"/>
-          </a:p>
-          <a:p>
-            <a:pPr lvl="0"/>
-            <a:r>
-              <a:rPr lang="en-US" sz="2800"/>
-              <a:t>Visual Studio Code:</a:t>
-            </a:r>
-            <a:endParaRPr lang="en-US" sz="2800"/>
-          </a:p>
-          <a:p>
-            <a:pPr lvl="1"/>
-            <a:r>
-              <a:rPr lang="en-US" sz="2400"/>
-              <a:t>https://code.visualstudio.com/download</a:t>
-            </a:r>
-            <a:endParaRPr lang="en-US" sz="2400"/>
-          </a:p>
-          <a:p>
-            <a:r>
-              <a:rPr lang="en-US"/>
-              <a:t>StarUML</a:t>
-            </a:r>
-            <a:endParaRPr lang="en-US"/>
-          </a:p>
-          <a:p>
-            <a:pPr lvl="1"/>
-            <a:r>
-              <a:rPr lang="en-US"/>
-              <a:t>download: https://staruml.io/download</a:t>
-            </a:r>
-            <a:endParaRPr lang="en-US"/>
-          </a:p>
-        </p:txBody>
-      </p:sp>
-    </p:spTree>
-  </p:cSld>
-  <p:clrMapOvr>
-    <a:masterClrMapping/>
-  </p:clrMapOvr>
-</p:sld>
-</file>
-
 <file path=ppt/slides/slide3.xml><?xml version="1.0" encoding="utf-8"?>
 <p:sld xmlns:a="http://schemas.openxmlformats.org/drawingml/2006/main" xmlns:r="http://schemas.openxmlformats.org/officeDocument/2006/relationships" xmlns:p="http://schemas.openxmlformats.org/presentationml/2006/main">
   <p:cSld>
@@ -5045,7 +5368,7 @@
       <p:grpSpPr/>
       <p:sp>
         <p:nvSpPr>
-          <p:cNvPr id="4" name="Title 3"/>
+          <p:cNvPr id="2" name="Title 1"/>
           <p:cNvSpPr>
             <a:spLocks noGrp="1"/>
           </p:cNvSpPr>
@@ -5059,30 +5382,120 @@
           <a:p>
             <a:r>
               <a:rPr lang="en-US"/>
-              <a:t>Object Oriented Programming</a:t>
-            </a:r>
-            <a:endParaRPr lang="en-US"/>
-          </a:p>
-        </p:txBody>
-      </p:sp>
-      <p:sp>
-        <p:nvSpPr>
-          <p:cNvPr id="5" name="Text Placeholder 4"/>
-          <p:cNvSpPr>
-            <a:spLocks noGrp="1"/>
-          </p:cNvSpPr>
-          <p:nvPr>
-            <p:ph type="body" idx="1"/>
-          </p:nvPr>
-        </p:nvSpPr>
-        <p:spPr/>
-        <p:txBody>
-          <a:bodyPr/>
-          <a:p>
-            <a:endParaRPr lang="en-US"/>
-          </a:p>
-        </p:txBody>
-      </p:sp>
+              <a:t>Ilustrasi: Bela diri</a:t>
+            </a:r>
+            <a:endParaRPr lang="en-US"/>
+          </a:p>
+        </p:txBody>
+      </p:sp>
+      <p:pic>
+        <p:nvPicPr>
+          <p:cNvPr id="101" name="Picture 100"/>
+          <p:cNvPicPr/>
+          <p:nvPr/>
+        </p:nvPicPr>
+        <p:blipFill>
+          <a:blip/>
+          <a:stretch>
+            <a:fillRect/>
+          </a:stretch>
+        </p:blipFill>
+        <p:spPr>
+          <a:xfrm>
+            <a:off x="5905500" y="3238500"/>
+            <a:ext cx="381000" cy="381000"/>
+          </a:xfrm>
+          <a:prstGeom prst="rect">
+            <a:avLst/>
+          </a:prstGeom>
+          <a:noFill/>
+          <a:ln w="9525">
+            <a:noFill/>
+          </a:ln>
+        </p:spPr>
+      </p:pic>
+      <p:pic>
+        <p:nvPicPr>
+          <p:cNvPr id="104" name="Picture 103"/>
+          <p:cNvPicPr/>
+          <p:nvPr/>
+        </p:nvPicPr>
+        <p:blipFill>
+          <a:blip r:embed="rId1"/>
+          <a:stretch>
+            <a:fillRect/>
+          </a:stretch>
+        </p:blipFill>
+        <p:spPr>
+          <a:xfrm>
+            <a:off x="4541520" y="1152525"/>
+            <a:ext cx="2826385" cy="4240530"/>
+          </a:xfrm>
+          <a:prstGeom prst="rect">
+            <a:avLst/>
+          </a:prstGeom>
+          <a:noFill/>
+          <a:ln w="9525">
+            <a:noFill/>
+          </a:ln>
+        </p:spPr>
+      </p:pic>
+      <p:pic>
+        <p:nvPicPr>
+          <p:cNvPr id="106" name="Picture 105"/>
+          <p:cNvPicPr/>
+          <p:nvPr/>
+        </p:nvPicPr>
+        <p:blipFill>
+          <a:blip r:embed="rId2"/>
+          <a:stretch>
+            <a:fillRect/>
+          </a:stretch>
+        </p:blipFill>
+        <p:spPr>
+          <a:xfrm>
+            <a:off x="8116570" y="1921510"/>
+            <a:ext cx="3076575" cy="3326765"/>
+          </a:xfrm>
+          <a:prstGeom prst="rect">
+            <a:avLst/>
+          </a:prstGeom>
+          <a:noFill/>
+          <a:ln w="9525">
+            <a:noFill/>
+          </a:ln>
+        </p:spPr>
+      </p:pic>
+      <p:pic>
+        <p:nvPicPr>
+          <p:cNvPr id="100" name="Content Placeholder 99"/>
+          <p:cNvPicPr>
+            <a:picLocks noChangeAspect="1"/>
+          </p:cNvPicPr>
+          <p:nvPr>
+            <p:ph idx="1"/>
+          </p:nvPr>
+        </p:nvPicPr>
+        <p:blipFill>
+          <a:blip r:embed="rId3"/>
+          <a:stretch>
+            <a:fillRect/>
+          </a:stretch>
+        </p:blipFill>
+        <p:spPr>
+          <a:xfrm flipH="1">
+            <a:off x="609600" y="1884045"/>
+            <a:ext cx="2919730" cy="3509010"/>
+          </a:xfrm>
+          <a:prstGeom prst="rect">
+            <a:avLst/>
+          </a:prstGeom>
+          <a:noFill/>
+          <a:ln w="9525">
+            <a:noFill/>
+          </a:ln>
+        </p:spPr>
+      </p:pic>
     </p:spTree>
   </p:cSld>
   <p:clrMapOvr>
@@ -5117,15 +5530,15 @@
           <a:p>
             <a:r>
               <a:rPr lang="en-US"/>
-              <a:t>PBO?</a:t>
-            </a:r>
-            <a:endParaRPr lang="en-US"/>
-          </a:p>
-        </p:txBody>
-      </p:sp>
-      <p:sp>
-        <p:nvSpPr>
-          <p:cNvPr id="3" name="Content Placeholder 2"/>
+              <a:t>4 Paradigma Umum</a:t>
+            </a:r>
+            <a:endParaRPr lang="en-US"/>
+          </a:p>
+        </p:txBody>
+      </p:sp>
+      <p:sp>
+        <p:nvSpPr>
+          <p:cNvPr id="11" name="Content Placeholder 10"/>
           <p:cNvSpPr>
             <a:spLocks noGrp="1"/>
           </p:cNvSpPr>
@@ -5135,41 +5548,32 @@
         </p:nvSpPr>
         <p:spPr/>
         <p:txBody>
-          <a:bodyPr>
-            <a:normAutofit fontScale="70000"/>
-          </a:bodyPr>
-          <a:p>
-            <a:r>
-              <a:rPr lang="en-US"/>
-              <a:t>PBO atau dalam bahasa inggris OOP (Object Oriented Programming) adalah suatu metode pemrograman yang berorientasi kepada objek.</a:t>
-            </a:r>
-            <a:endParaRPr lang="en-US"/>
-          </a:p>
-          <a:p>
-            <a:r>
-              <a:rPr lang="en-US"/>
-              <a:t>Tujuan dari OOP diciptakan adalah untuk mempermudah pengembangan program dengan cara mengikuti model yang telah ada di kehidupan sehari-hari.</a:t>
-            </a:r>
-            <a:endParaRPr lang="en-US"/>
-          </a:p>
-          <a:p>
-            <a:r>
-              <a:rPr lang="en-US"/>
-              <a:t>Jadi setiap bagian dari suatu permasalahan adalah objek, nah objek itu sendiri merupakan gabungan dari beberapa objek yang lebih kecil lagi.</a:t>
-            </a:r>
-            <a:endParaRPr lang="en-US"/>
-          </a:p>
-          <a:p>
-            <a:r>
-              <a:rPr lang="en-US"/>
-              <a:t>Contohnya: Pesawat, Pesawat adalah sebuah objek. Pesawat itu sendiri terbentuk dari beberapa objek yang lebih kecil lagi seperti mesin, roda, baling-baling, kursi, dll. Pesawat sebagai objek yang terbentuk dari objekobjek yang lebih kecil saling berhubungan, berinteraksi, berkomunikasi dan saling mengirim pesan kepada objek-objek yang lainnya.</a:t>
-            </a:r>
-            <a:endParaRPr lang="en-US"/>
-          </a:p>
-          <a:p>
-            <a:r>
-              <a:rPr lang="en-US"/>
-              <a:t>Begitu juga dengan program, sebuah objek yang besar dibentuk dari beberapa objek yang lebih kecil, objek-objek itu saling berkomunikasi, dan saling berkirim pesan kepada objek yang lain.</a:t>
+          <a:bodyPr/>
+          <a:p>
+            <a:r>
+              <a:rPr lang="en-US"/>
+              <a:t>Imperative</a:t>
+            </a:r>
+            <a:endParaRPr lang="en-US"/>
+          </a:p>
+          <a:p>
+            <a:r>
+              <a:rPr lang="en-US"/>
+              <a:t>Object Oriented</a:t>
+            </a:r>
+            <a:endParaRPr lang="en-US"/>
+          </a:p>
+          <a:p>
+            <a:r>
+              <a:rPr lang="en-US"/>
+              <a:t>Functional</a:t>
+            </a:r>
+            <a:endParaRPr lang="en-US"/>
+          </a:p>
+          <a:p>
+            <a:r>
+              <a:rPr lang="en-US"/>
+              <a:t>Logical</a:t>
             </a:r>
             <a:endParaRPr lang="en-US"/>
           </a:p>
@@ -5207,65 +5611,50 @@
         <p:txBody>
           <a:bodyPr/>
           <a:p>
-            <a:pPr algn="ctr"/>
-            <a:r>
-              <a:rPr lang="en-US"/>
-              <a:t>Prosedural                     vs                    OOP    .</a:t>
-            </a:r>
-            <a:endParaRPr lang="en-US"/>
-          </a:p>
-        </p:txBody>
-      </p:sp>
-      <p:pic>
-        <p:nvPicPr>
-          <p:cNvPr id="8" name="Content Placeholder 7"/>
-          <p:cNvPicPr>
-            <a:picLocks noChangeAspect="1"/>
-          </p:cNvPicPr>
+            <a:r>
+              <a:rPr lang="en-US"/>
+              <a:t>Paradigma Imperative</a:t>
+            </a:r>
+            <a:endParaRPr lang="en-US"/>
+          </a:p>
+        </p:txBody>
+      </p:sp>
+      <p:sp>
+        <p:nvSpPr>
+          <p:cNvPr id="3" name="Content Placeholder 2"/>
+          <p:cNvSpPr>
+            <a:spLocks noGrp="1"/>
+          </p:cNvSpPr>
           <p:nvPr>
             <p:ph idx="1"/>
           </p:nvPr>
-        </p:nvPicPr>
-        <p:blipFill>
-          <a:blip r:embed="rId1"/>
-          <a:stretch>
-            <a:fillRect/>
-          </a:stretch>
-        </p:blipFill>
-        <p:spPr>
-          <a:xfrm>
-            <a:off x="1056640" y="1826260"/>
-            <a:ext cx="3216910" cy="3129915"/>
-          </a:xfrm>
-          <a:prstGeom prst="rect">
-            <a:avLst/>
-          </a:prstGeom>
-        </p:spPr>
-      </p:pic>
-      <p:pic>
-        <p:nvPicPr>
-          <p:cNvPr id="9" name="Picture 8"/>
-          <p:cNvPicPr>
-            <a:picLocks noChangeAspect="1"/>
-          </p:cNvPicPr>
-          <p:nvPr/>
-        </p:nvPicPr>
-        <p:blipFill>
-          <a:blip r:embed="rId2"/>
-          <a:stretch>
-            <a:fillRect/>
-          </a:stretch>
-        </p:blipFill>
-        <p:spPr>
-          <a:xfrm>
-            <a:off x="7751445" y="1826260"/>
-            <a:ext cx="3308350" cy="2481580"/>
-          </a:xfrm>
-          <a:prstGeom prst="rect">
-            <a:avLst/>
-          </a:prstGeom>
-        </p:spPr>
-      </p:pic>
+        </p:nvSpPr>
+        <p:spPr/>
+        <p:txBody>
+          <a:bodyPr/>
+          <a:p>
+            <a:r>
+              <a:rPr lang="en-US"/>
+              <a:t>Paradigma imperatif dalam pemrograman merujuk pada pendekatan dalam penulisan kode yang berfokus pada urutan instruksi yang harus dieksekusi oleh komputer untuk mencapai suatu tujuan.</a:t>
+            </a:r>
+            <a:endParaRPr lang="en-US"/>
+          </a:p>
+          <a:p>
+            <a:r>
+              <a:rPr lang="en-US"/>
+              <a:t>Contoh bahasa pemrograman: C, BASIC, Pascal, Ada</a:t>
+            </a:r>
+            <a:endParaRPr lang="en-US"/>
+          </a:p>
+          <a:p>
+            <a:endParaRPr lang="en-US"/>
+          </a:p>
+          <a:p>
+            <a:pPr lvl="1"/>
+            <a:endParaRPr lang="en-US"/>
+          </a:p>
+        </p:txBody>
+      </p:sp>
     </p:spTree>
   </p:cSld>
   <p:clrMapOvr>
@@ -5300,7 +5689,7 @@
           <a:p>
             <a:r>
               <a:rPr lang="en-US"/>
-              <a:t>Kelebihan OOP</a:t>
+              <a:t>Paradigma Functional</a:t>
             </a:r>
             <a:endParaRPr lang="en-US"/>
           </a:p>
@@ -5321,38 +5710,17 @@
           <a:bodyPr/>
           <a:p>
             <a:r>
-              <a:rPr lang="en-US" sz="4000"/>
-              <a:t>Real world programming</a:t>
-            </a:r>
-            <a:endParaRPr lang="en-US" sz="4000"/>
-          </a:p>
-          <a:p>
-            <a:r>
-              <a:rPr lang="en-US" sz="4000"/>
-              <a:t>Reusability of code</a:t>
-            </a:r>
-            <a:endParaRPr lang="en-US" sz="4000"/>
-          </a:p>
-          <a:p>
-            <a:r>
-              <a:rPr lang="en-US" sz="4000"/>
-              <a:t>Resilience to change</a:t>
-            </a:r>
-            <a:endParaRPr lang="en-US" sz="4000"/>
-          </a:p>
-          <a:p>
-            <a:r>
-              <a:rPr lang="en-US" sz="4000"/>
-              <a:t>Information hiding</a:t>
-            </a:r>
-            <a:endParaRPr lang="en-US" sz="4000"/>
-          </a:p>
-          <a:p>
-            <a:r>
-              <a:rPr lang="en-US" sz="4000"/>
-              <a:t>Modularity of code</a:t>
-            </a:r>
-            <a:endParaRPr lang="en-US" sz="4000"/>
+              <a:rPr lang="en-US"/>
+              <a:t>Paradigma dengan pendekatan yang berfokus pada penggunaan fungsi sebagai unit dasar dari komputasi dan penanganan data. Dalam paradigma ini, fungsi dianggap sebagai objek yang dapat dipindahkan dan digunakan dalam cara yang sama seperti nilai-nilai lainnya.</a:t>
+            </a:r>
+            <a:endParaRPr lang="en-US"/>
+          </a:p>
+          <a:p>
+            <a:r>
+              <a:rPr lang="en-US"/>
+              <a:t>Paradigma fungsional menekankan pada penghindaran perubahan keadaan dan mutasi data, serta mengutamakan komputasi yang bersifat deklaratif dan tanpa efek samping.</a:t>
+            </a:r>
+            <a:endParaRPr lang="en-US"/>
           </a:p>
         </p:txBody>
       </p:sp>
@@ -5389,8 +5757,10 @@
           <a:bodyPr/>
           <a:p>
             <a:r>
-              <a:rPr lang="en-US"/>
-              <a:t>Kekurangan OOP</a:t>
+              <a:rPr lang="en-US">
+                <a:sym typeface="+mn-ea"/>
+              </a:rPr>
+              <a:t>Paradigma Functional</a:t>
             </a:r>
             <a:endParaRPr lang="en-US"/>
           </a:p>
@@ -5412,14 +5782,22 @@
           <a:p>
             <a:r>
               <a:rPr lang="en-US"/>
-              <a:t>Kode program relatif lebih banyak</a:t>
-            </a:r>
-            <a:endParaRPr lang="en-US"/>
-          </a:p>
-          <a:p>
-            <a:r>
-              <a:rPr lang="en-US"/>
-              <a:t>Performance berkurang</a:t>
+              <a:t>Contoh bahasa pemrograman: Haskell, Lisp, Scala, Clojure, dan Erlang.</a:t>
+            </a:r>
+            <a:endParaRPr lang="en-US"/>
+          </a:p>
+          <a:p>
+            <a:r>
+              <a:rPr lang="en-US"/>
+              <a:t>Referensi:</a:t>
+            </a:r>
+            <a:endParaRPr lang="en-US"/>
+          </a:p>
+          <a:p>
+            <a:pPr lvl="1"/>
+            <a:r>
+              <a:rPr lang="en-US"/>
+              <a:t>https://www.toptal.com/javascript/functional-programming-javascript</a:t>
             </a:r>
             <a:endParaRPr lang="en-US"/>
           </a:p>
@@ -5445,7 +5823,7 @@
       <p:grpSpPr/>
       <p:sp>
         <p:nvSpPr>
-          <p:cNvPr id="4" name="Title 3"/>
+          <p:cNvPr id="2" name="Title 1"/>
           <p:cNvSpPr>
             <a:spLocks noGrp="1"/>
           </p:cNvSpPr>
@@ -5458,27 +5836,47 @@
           <a:bodyPr/>
           <a:p>
             <a:r>
-              <a:rPr lang="en-US"/>
-              <a:t>Ilustrasi</a:t>
-            </a:r>
-            <a:endParaRPr lang="en-US"/>
-          </a:p>
-        </p:txBody>
-      </p:sp>
-      <p:sp>
-        <p:nvSpPr>
-          <p:cNvPr id="5" name="Text Placeholder 4"/>
-          <p:cNvSpPr>
-            <a:spLocks noGrp="1"/>
-          </p:cNvSpPr>
-          <p:nvPr>
-            <p:ph type="body" idx="1"/>
-          </p:nvPr>
-        </p:nvSpPr>
-        <p:spPr/>
-        <p:txBody>
-          <a:bodyPr/>
-          <a:p>
+              <a:rPr lang="en-US">
+                <a:sym typeface="+mn-ea"/>
+              </a:rPr>
+              <a:t>Paradigma Logical</a:t>
+            </a:r>
+            <a:endParaRPr lang="en-US"/>
+          </a:p>
+        </p:txBody>
+      </p:sp>
+      <p:sp>
+        <p:nvSpPr>
+          <p:cNvPr id="3" name="Content Placeholder 2"/>
+          <p:cNvSpPr>
+            <a:spLocks noGrp="1"/>
+          </p:cNvSpPr>
+          <p:nvPr>
+            <p:ph idx="1"/>
+          </p:nvPr>
+        </p:nvSpPr>
+        <p:spPr/>
+        <p:txBody>
+          <a:bodyPr/>
+          <a:p>
+            <a:r>
+              <a:rPr lang="en-US"/>
+              <a:t>Paradigma dengan  pendekatan di mana program direpresentasikan sebagai kumpulan fakta dan aturan logis, dan komputasi dijalankan dengan menggunakan inferensi logis untuk mencari solusi.</a:t>
+            </a:r>
+            <a:endParaRPr lang="en-US"/>
+          </a:p>
+          <a:p>
+            <a:r>
+              <a:rPr lang="en-US"/>
+              <a:t>Dalam paradigma ini, programmer mendeskripsikan relasi antara fakta-fakta dan aturan-aturan yang berlaku dalam domain masalah, dan sistem pemrograman logika menggabungkan informasi ini untuk mencapai tujuan yang diinginkan.</a:t>
+            </a:r>
+            <a:endParaRPr lang="en-US"/>
+          </a:p>
+          <a:p>
+            <a:r>
+              <a:rPr lang="en-US"/>
+              <a:t>Contoh bahasa pemrograman: PROLOG</a:t>
+            </a:r>
             <a:endParaRPr lang="en-US"/>
           </a:p>
         </p:txBody>
@@ -5503,7 +5901,7 @@
       <p:grpSpPr/>
       <p:sp>
         <p:nvSpPr>
-          <p:cNvPr id="2" name="Title 1"/>
+          <p:cNvPr id="4" name="Title 3"/>
           <p:cNvSpPr>
             <a:spLocks noGrp="1"/>
           </p:cNvSpPr>
@@ -5517,38 +5915,30 @@
           <a:p>
             <a:r>
               <a:rPr lang="en-US"/>
-              <a:t>PABRIK MOBIL</a:t>
-            </a:r>
-            <a:endParaRPr lang="en-US"/>
-          </a:p>
-        </p:txBody>
-      </p:sp>
-      <p:pic>
-        <p:nvPicPr>
-          <p:cNvPr id="4" name="Content Placeholder 3"/>
-          <p:cNvPicPr>
-            <a:picLocks noChangeAspect="1"/>
-          </p:cNvPicPr>
-          <p:nvPr>
-            <p:ph idx="1"/>
-          </p:nvPr>
-        </p:nvPicPr>
-        <p:blipFill>
-          <a:blip r:embed="rId1"/>
-          <a:stretch>
-            <a:fillRect/>
-          </a:stretch>
-        </p:blipFill>
-        <p:spPr>
-          <a:xfrm>
-            <a:off x="2141855" y="1743075"/>
-            <a:ext cx="8063230" cy="4972685"/>
-          </a:xfrm>
-          <a:prstGeom prst="rect">
-            <a:avLst/>
-          </a:prstGeom>
-        </p:spPr>
-      </p:pic>
+              <a:t>Paradigma Object Oriented</a:t>
+            </a:r>
+            <a:endParaRPr lang="en-US"/>
+          </a:p>
+        </p:txBody>
+      </p:sp>
+      <p:sp>
+        <p:nvSpPr>
+          <p:cNvPr id="5" name="Text Placeholder 4"/>
+          <p:cNvSpPr>
+            <a:spLocks noGrp="1"/>
+          </p:cNvSpPr>
+          <p:nvPr>
+            <p:ph type="body" idx="1"/>
+          </p:nvPr>
+        </p:nvSpPr>
+        <p:spPr/>
+        <p:txBody>
+          <a:bodyPr/>
+          <a:p>
+            <a:endParaRPr lang="en-US"/>
+          </a:p>
+        </p:txBody>
+      </p:sp>
     </p:spTree>
   </p:cSld>
   <p:clrMapOvr>
@@ -5558,116 +5948,56 @@
 </file>
 
 <file path=ppt/theme/theme1.xml><?xml version="1.0" encoding="utf-8"?>
-<a:theme xmlns:a="http://schemas.openxmlformats.org/drawingml/2006/main" name="Office Theme">
+<a:theme xmlns:a="http://schemas.openxmlformats.org/drawingml/2006/main" name="Gear Drives">
   <a:themeElements>
-    <a:clrScheme name="Office">
+    <a:clrScheme name="Gear Drives 13">
       <a:dk1>
-        <a:sysClr val="windowText" lastClr="000000"/>
+        <a:srgbClr val="000000"/>
       </a:dk1>
       <a:lt1>
-        <a:sysClr val="window" lastClr="FFFFFF"/>
+        <a:srgbClr val="FFFFFF"/>
       </a:lt1>
       <a:dk2>
-        <a:srgbClr val="44546A"/>
+        <a:srgbClr val="000000"/>
       </a:dk2>
       <a:lt2>
-        <a:srgbClr val="E7E6E6"/>
+        <a:srgbClr val="969696"/>
       </a:lt2>
       <a:accent1>
-        <a:srgbClr val="5B9BD5"/>
+        <a:srgbClr val="5F5F5F"/>
       </a:accent1>
       <a:accent2>
-        <a:srgbClr val="ED7D31"/>
+        <a:srgbClr val="969696"/>
       </a:accent2>
       <a:accent3>
-        <a:srgbClr val="A5A5A5"/>
+        <a:srgbClr val="FFFFFF"/>
       </a:accent3>
       <a:accent4>
-        <a:srgbClr val="FFC000"/>
+        <a:srgbClr val="000000"/>
       </a:accent4>
       <a:accent5>
-        <a:srgbClr val="4472C4"/>
+        <a:srgbClr val="B6B6B6"/>
       </a:accent5>
       <a:accent6>
-        <a:srgbClr val="70AD47"/>
+        <a:srgbClr val="878787"/>
       </a:accent6>
       <a:hlink>
-        <a:srgbClr val="0563C1"/>
+        <a:srgbClr val="CC3300"/>
       </a:hlink>
       <a:folHlink>
-        <a:srgbClr val="954F72"/>
+        <a:srgbClr val="996600"/>
       </a:folHlink>
     </a:clrScheme>
-    <a:fontScheme name="Office">
+    <a:fontScheme name="Gear Drives">
       <a:majorFont>
-        <a:latin typeface="Calibri Light"/>
-        <a:ea typeface=""/>
+        <a:latin typeface="Arial"/>
+        <a:ea typeface="SimSun"/>
         <a:cs typeface=""/>
-        <a:font script="Jpan" typeface="ＭＳ Ｐゴシック"/>
-        <a:font script="Hang" typeface="맑은 고딕"/>
-        <a:font script="Hans" typeface="宋体"/>
-        <a:font script="Hant" typeface="新細明體"/>
-        <a:font script="Arab" typeface="Times New Roman"/>
-        <a:font script="Hebr" typeface="Times New Roman"/>
-        <a:font script="Thai" typeface="Angsana New"/>
-        <a:font script="Ethi" typeface="Nyala"/>
-        <a:font script="Beng" typeface="Vrinda"/>
-        <a:font script="Gujr" typeface="Shruti"/>
-        <a:font script="Khmr" typeface="MoolBoran"/>
-        <a:font script="Knda" typeface="Tunga"/>
-        <a:font script="Guru" typeface="Raavi"/>
-        <a:font script="Cans" typeface="Euphemia"/>
-        <a:font script="Cher" typeface="Plantagenet Cherokee"/>
-        <a:font script="Yiii" typeface="Microsoft Yi Baiti"/>
-        <a:font script="Tibt" typeface="Microsoft Himalaya"/>
-        <a:font script="Thaa" typeface="MV Boli"/>
-        <a:font script="Deva" typeface="Mangal"/>
-        <a:font script="Telu" typeface="Gautami"/>
-        <a:font script="Taml" typeface="Latha"/>
-        <a:font script="Syrc" typeface="Estrangelo Edessa"/>
-        <a:font script="Orya" typeface="Kalinga"/>
-        <a:font script="Mlym" typeface="Kartika"/>
-        <a:font script="Laoo" typeface="DokChampa"/>
-        <a:font script="Sinh" typeface="Iskoola Pota"/>
-        <a:font script="Mong" typeface="Mongolian Baiti"/>
-        <a:font script="Viet" typeface="Times New Roman"/>
-        <a:font script="Uigh" typeface="Microsoft Uighur"/>
-        <a:font script="Geor" typeface="Sylfaen"/>
       </a:majorFont>
       <a:minorFont>
-        <a:latin typeface="Calibri"/>
-        <a:ea typeface=""/>
+        <a:latin typeface="Arial"/>
+        <a:ea typeface="SimSun"/>
         <a:cs typeface=""/>
-        <a:font script="Jpan" typeface="ＭＳ Ｐゴシック"/>
-        <a:font script="Hang" typeface="맑은 고딕"/>
-        <a:font script="Hans" typeface="宋体"/>
-        <a:font script="Hant" typeface="新細明體"/>
-        <a:font script="Arab" typeface="Arial"/>
-        <a:font script="Hebr" typeface="Arial"/>
-        <a:font script="Thai" typeface="Cordia New"/>
-        <a:font script="Ethi" typeface="Nyala"/>
-        <a:font script="Beng" typeface="Vrinda"/>
-        <a:font script="Gujr" typeface="Shruti"/>
-        <a:font script="Khmr" typeface="DaunPenh"/>
-        <a:font script="Knda" typeface="Tunga"/>
-        <a:font script="Guru" typeface="Raavi"/>
-        <a:font script="Cans" typeface="Euphemia"/>
-        <a:font script="Cher" typeface="Plantagenet Cherokee"/>
-        <a:font script="Yiii" typeface="Microsoft Yi Baiti"/>
-        <a:font script="Tibt" typeface="Microsoft Himalaya"/>
-        <a:font script="Thaa" typeface="MV Boli"/>
-        <a:font script="Deva" typeface="Mangal"/>
-        <a:font script="Telu" typeface="Gautami"/>
-        <a:font script="Taml" typeface="Latha"/>
-        <a:font script="Syrc" typeface="Estrangelo Edessa"/>
-        <a:font script="Orya" typeface="Kalinga"/>
-        <a:font script="Mlym" typeface="Kartika"/>
-        <a:font script="Laoo" typeface="DokChampa"/>
-        <a:font script="Sinh" typeface="Iskoola Pota"/>
-        <a:font script="Mong" typeface="Mongolian Baiti"/>
-        <a:font script="Viet" typeface="Arial"/>
-        <a:font script="Uigh" typeface="Microsoft Uighur"/>
-        <a:font script="Geor" typeface="Sylfaen"/>
       </a:minorFont>
     </a:fontScheme>
     <a:fmtScheme name="Office">
@@ -5808,6 +6138,673 @@
       </a:bgFillStyleLst>
     </a:fmtScheme>
   </a:themeElements>
+  <a:objectDefaults>
+    <a:spDef>
+      <a:spPr bwMode="auto">
+        <a:xfrm>
+          <a:off x="0" y="0"/>
+          <a:ext cx="1" cy="1"/>
+        </a:xfrm>
+        <a:custGeom>
+          <a:avLst/>
+          <a:gdLst/>
+          <a:ahLst/>
+          <a:cxnLst/>
+          <a:rect l="0" t="0" r="0" b="0"/>
+          <a:pathLst/>
+        </a:custGeom>
+        <a:gradFill rotWithShape="0">
+          <a:gsLst>
+            <a:gs pos="0">
+              <a:schemeClr val="accent1"/>
+            </a:gs>
+            <a:gs pos="100000">
+              <a:schemeClr val="accent2"/>
+            </a:gs>
+          </a:gsLst>
+          <a:lin ang="5400000" scaled="1"/>
+        </a:gradFill>
+        <a:ln w="9525" cap="flat" cmpd="sng" algn="ctr">
+          <a:solidFill>
+            <a:schemeClr val="accent1"/>
+          </a:solidFill>
+          <a:prstDash val="solid"/>
+          <a:round/>
+          <a:headEnd type="none" w="med" len="med"/>
+          <a:tailEnd type="none" w="med" len="med"/>
+        </a:ln>
+      </a:spPr>
+      <a:bodyPr vert="horz" wrap="none" lIns="91440" tIns="45720" rIns="91440" bIns="45720" numCol="1" anchor="ctr" anchorCtr="0" compatLnSpc="1"/>
+      <a:lstStyle>
+        <a:defPPr marL="0" marR="0" indent="0" algn="l" defTabSz="914400" rtl="0" eaLnBrk="1" fontAlgn="base" latinLnBrk="0" hangingPunct="1">
+          <a:lnSpc>
+            <a:spcPct val="100000"/>
+          </a:lnSpc>
+          <a:spcBef>
+            <a:spcPct val="0"/>
+          </a:spcBef>
+          <a:spcAft>
+            <a:spcPct val="0"/>
+          </a:spcAft>
+          <a:buClrTx/>
+          <a:buSzTx/>
+          <a:buFontTx/>
+          <a:buNone/>
+          <a:defRPr kumimoji="0" lang="zh-CN" altLang="en-US" sz="1800" b="0" i="0" u="none" strike="noStrike" cap="none" normalizeH="0" baseline="0" smtClean="0">
+            <a:ln>
+              <a:noFill/>
+            </a:ln>
+            <a:solidFill>
+              <a:schemeClr val="tx1"/>
+            </a:solidFill>
+            <a:effectLst/>
+            <a:latin typeface="Arial" panose="020B0604020202020204" pitchFamily="34" charset="0"/>
+            <a:ea typeface="SimSun" panose="02010600030101010101" pitchFamily="2" charset="-122"/>
+          </a:defRPr>
+        </a:defPPr>
+      </a:lstStyle>
+    </a:spDef>
+    <a:lnDef>
+      <a:spPr bwMode="auto">
+        <a:xfrm>
+          <a:off x="0" y="0"/>
+          <a:ext cx="1" cy="1"/>
+        </a:xfrm>
+        <a:custGeom>
+          <a:avLst/>
+          <a:gdLst/>
+          <a:ahLst/>
+          <a:cxnLst/>
+          <a:rect l="0" t="0" r="0" b="0"/>
+          <a:pathLst/>
+        </a:custGeom>
+        <a:gradFill rotWithShape="0">
+          <a:gsLst>
+            <a:gs pos="0">
+              <a:schemeClr val="accent1"/>
+            </a:gs>
+            <a:gs pos="100000">
+              <a:schemeClr val="accent2"/>
+            </a:gs>
+          </a:gsLst>
+          <a:lin ang="5400000" scaled="1"/>
+        </a:gradFill>
+        <a:ln w="9525" cap="flat" cmpd="sng" algn="ctr">
+          <a:solidFill>
+            <a:schemeClr val="accent1"/>
+          </a:solidFill>
+          <a:prstDash val="solid"/>
+          <a:round/>
+          <a:headEnd type="none" w="med" len="med"/>
+          <a:tailEnd type="none" w="med" len="med"/>
+        </a:ln>
+      </a:spPr>
+      <a:bodyPr vert="horz" wrap="none" lIns="91440" tIns="45720" rIns="91440" bIns="45720" numCol="1" anchor="ctr" anchorCtr="0" compatLnSpc="1"/>
+      <a:lstStyle>
+        <a:defPPr marL="0" marR="0" indent="0" algn="l" defTabSz="914400" rtl="0" eaLnBrk="1" fontAlgn="base" latinLnBrk="0" hangingPunct="1">
+          <a:lnSpc>
+            <a:spcPct val="100000"/>
+          </a:lnSpc>
+          <a:spcBef>
+            <a:spcPct val="0"/>
+          </a:spcBef>
+          <a:spcAft>
+            <a:spcPct val="0"/>
+          </a:spcAft>
+          <a:buClrTx/>
+          <a:buSzTx/>
+          <a:buFontTx/>
+          <a:buNone/>
+          <a:defRPr kumimoji="0" lang="zh-CN" altLang="en-US" sz="1800" b="0" i="0" u="none" strike="noStrike" cap="none" normalizeH="0" baseline="0" smtClean="0">
+            <a:ln>
+              <a:noFill/>
+            </a:ln>
+            <a:solidFill>
+              <a:schemeClr val="tx1"/>
+            </a:solidFill>
+            <a:effectLst/>
+            <a:latin typeface="Arial" panose="020B0604020202020204" pitchFamily="34" charset="0"/>
+            <a:ea typeface="SimSun" panose="02010600030101010101" pitchFamily="2" charset="-122"/>
+          </a:defRPr>
+        </a:defPPr>
+      </a:lstStyle>
+    </a:lnDef>
+  </a:objectDefaults>
+  <a:extraClrSchemeLst>
+    <a:extraClrScheme>
+      <a:clrScheme name="Gear Drives 1">
+        <a:dk1>
+          <a:srgbClr val="000000"/>
+        </a:dk1>
+        <a:lt1>
+          <a:srgbClr val="FFFFFF"/>
+        </a:lt1>
+        <a:dk2>
+          <a:srgbClr val="000000"/>
+        </a:dk2>
+        <a:lt2>
+          <a:srgbClr val="808080"/>
+        </a:lt2>
+        <a:accent1>
+          <a:srgbClr val="BBE0E3"/>
+        </a:accent1>
+        <a:accent2>
+          <a:srgbClr val="333399"/>
+        </a:accent2>
+        <a:accent3>
+          <a:srgbClr val="FFFFFF"/>
+        </a:accent3>
+        <a:accent4>
+          <a:srgbClr val="000000"/>
+        </a:accent4>
+        <a:accent5>
+          <a:srgbClr val="DAEDEF"/>
+        </a:accent5>
+        <a:accent6>
+          <a:srgbClr val="2D2D8A"/>
+        </a:accent6>
+        <a:hlink>
+          <a:srgbClr val="009999"/>
+        </a:hlink>
+        <a:folHlink>
+          <a:srgbClr val="99CC00"/>
+        </a:folHlink>
+      </a:clrScheme>
+      <a:clrMap bg1="lt1" tx1="dk1" bg2="lt2" tx2="dk2" accent1="accent1" accent2="accent2" accent3="accent3" accent4="accent4" accent5="accent5" accent6="accent6" hlink="hlink" folHlink="folHlink"/>
+    </a:extraClrScheme>
+    <a:extraClrScheme>
+      <a:clrScheme name="Gear Drives 2">
+        <a:dk1>
+          <a:srgbClr val="000000"/>
+        </a:dk1>
+        <a:lt1>
+          <a:srgbClr val="FFFFFF"/>
+        </a:lt1>
+        <a:dk2>
+          <a:srgbClr val="000000"/>
+        </a:dk2>
+        <a:lt2>
+          <a:srgbClr val="969696"/>
+        </a:lt2>
+        <a:accent1>
+          <a:srgbClr val="FBDF53"/>
+        </a:accent1>
+        <a:accent2>
+          <a:srgbClr val="FF9966"/>
+        </a:accent2>
+        <a:accent3>
+          <a:srgbClr val="FFFFFF"/>
+        </a:accent3>
+        <a:accent4>
+          <a:srgbClr val="000000"/>
+        </a:accent4>
+        <a:accent5>
+          <a:srgbClr val="FDECB3"/>
+        </a:accent5>
+        <a:accent6>
+          <a:srgbClr val="E78A5C"/>
+        </a:accent6>
+        <a:hlink>
+          <a:srgbClr val="CC3300"/>
+        </a:hlink>
+        <a:folHlink>
+          <a:srgbClr val="996600"/>
+        </a:folHlink>
+      </a:clrScheme>
+      <a:clrMap bg1="lt1" tx1="dk1" bg2="lt2" tx2="dk2" accent1="accent1" accent2="accent2" accent3="accent3" accent4="accent4" accent5="accent5" accent6="accent6" hlink="hlink" folHlink="folHlink"/>
+    </a:extraClrScheme>
+    <a:extraClrScheme>
+      <a:clrScheme name="Gear Drives 3">
+        <a:dk1>
+          <a:srgbClr val="000000"/>
+        </a:dk1>
+        <a:lt1>
+          <a:srgbClr val="FFFFFF"/>
+        </a:lt1>
+        <a:dk2>
+          <a:srgbClr val="000000"/>
+        </a:dk2>
+        <a:lt2>
+          <a:srgbClr val="808080"/>
+        </a:lt2>
+        <a:accent1>
+          <a:srgbClr val="99CCFF"/>
+        </a:accent1>
+        <a:accent2>
+          <a:srgbClr val="CCCCFF"/>
+        </a:accent2>
+        <a:accent3>
+          <a:srgbClr val="FFFFFF"/>
+        </a:accent3>
+        <a:accent4>
+          <a:srgbClr val="000000"/>
+        </a:accent4>
+        <a:accent5>
+          <a:srgbClr val="CAE2FF"/>
+        </a:accent5>
+        <a:accent6>
+          <a:srgbClr val="B9B9E7"/>
+        </a:accent6>
+        <a:hlink>
+          <a:srgbClr val="3333CC"/>
+        </a:hlink>
+        <a:folHlink>
+          <a:srgbClr val="AF67FF"/>
+        </a:folHlink>
+      </a:clrScheme>
+      <a:clrMap bg1="lt1" tx1="dk1" bg2="lt2" tx2="dk2" accent1="accent1" accent2="accent2" accent3="accent3" accent4="accent4" accent5="accent5" accent6="accent6" hlink="hlink" folHlink="folHlink"/>
+    </a:extraClrScheme>
+    <a:extraClrScheme>
+      <a:clrScheme name="Gear Drives 4">
+        <a:dk1>
+          <a:srgbClr val="000000"/>
+        </a:dk1>
+        <a:lt1>
+          <a:srgbClr val="DEF6F1"/>
+        </a:lt1>
+        <a:dk2>
+          <a:srgbClr val="000000"/>
+        </a:dk2>
+        <a:lt2>
+          <a:srgbClr val="969696"/>
+        </a:lt2>
+        <a:accent1>
+          <a:srgbClr val="FFFFFF"/>
+        </a:accent1>
+        <a:accent2>
+          <a:srgbClr val="8DC6FF"/>
+        </a:accent2>
+        <a:accent3>
+          <a:srgbClr val="ECFAF7"/>
+        </a:accent3>
+        <a:accent4>
+          <a:srgbClr val="000000"/>
+        </a:accent4>
+        <a:accent5>
+          <a:srgbClr val="FFFFFF"/>
+        </a:accent5>
+        <a:accent6>
+          <a:srgbClr val="7FB3E7"/>
+        </a:accent6>
+        <a:hlink>
+          <a:srgbClr val="0066CC"/>
+        </a:hlink>
+        <a:folHlink>
+          <a:srgbClr val="00A800"/>
+        </a:folHlink>
+      </a:clrScheme>
+      <a:clrMap bg1="lt1" tx1="dk1" bg2="lt2" tx2="dk2" accent1="accent1" accent2="accent2" accent3="accent3" accent4="accent4" accent5="accent5" accent6="accent6" hlink="hlink" folHlink="folHlink"/>
+    </a:extraClrScheme>
+    <a:extraClrScheme>
+      <a:clrScheme name="Gear Drives 5">
+        <a:dk1>
+          <a:srgbClr val="000000"/>
+        </a:dk1>
+        <a:lt1>
+          <a:srgbClr val="FFFFD9"/>
+        </a:lt1>
+        <a:dk2>
+          <a:srgbClr val="000000"/>
+        </a:dk2>
+        <a:lt2>
+          <a:srgbClr val="777777"/>
+        </a:lt2>
+        <a:accent1>
+          <a:srgbClr val="FFFFF7"/>
+        </a:accent1>
+        <a:accent2>
+          <a:srgbClr val="33CCCC"/>
+        </a:accent2>
+        <a:accent3>
+          <a:srgbClr val="FFFFE9"/>
+        </a:accent3>
+        <a:accent4>
+          <a:srgbClr val="000000"/>
+        </a:accent4>
+        <a:accent5>
+          <a:srgbClr val="FFFFFA"/>
+        </a:accent5>
+        <a:accent6>
+          <a:srgbClr val="2DB9B9"/>
+        </a:accent6>
+        <a:hlink>
+          <a:srgbClr val="FF5050"/>
+        </a:hlink>
+        <a:folHlink>
+          <a:srgbClr val="FF9900"/>
+        </a:folHlink>
+      </a:clrScheme>
+      <a:clrMap bg1="lt1" tx1="dk1" bg2="lt2" tx2="dk2" accent1="accent1" accent2="accent2" accent3="accent3" accent4="accent4" accent5="accent5" accent6="accent6" hlink="hlink" folHlink="folHlink"/>
+    </a:extraClrScheme>
+    <a:extraClrScheme>
+      <a:clrScheme name="Gear Drives 6">
+        <a:dk1>
+          <a:srgbClr val="005A58"/>
+        </a:dk1>
+        <a:lt1>
+          <a:srgbClr val="FFFFFF"/>
+        </a:lt1>
+        <a:dk2>
+          <a:srgbClr val="008080"/>
+        </a:dk2>
+        <a:lt2>
+          <a:srgbClr val="FFFF99"/>
+        </a:lt2>
+        <a:accent1>
+          <a:srgbClr val="006462"/>
+        </a:accent1>
+        <a:accent2>
+          <a:srgbClr val="6D6FC7"/>
+        </a:accent2>
+        <a:accent3>
+          <a:srgbClr val="AAC0C0"/>
+        </a:accent3>
+        <a:accent4>
+          <a:srgbClr val="DADADA"/>
+        </a:accent4>
+        <a:accent5>
+          <a:srgbClr val="AAB8B7"/>
+        </a:accent5>
+        <a:accent6>
+          <a:srgbClr val="6264B4"/>
+        </a:accent6>
+        <a:hlink>
+          <a:srgbClr val="00FFFF"/>
+        </a:hlink>
+        <a:folHlink>
+          <a:srgbClr val="00FF00"/>
+        </a:folHlink>
+      </a:clrScheme>
+      <a:clrMap bg1="dk2" tx1="lt1" bg2="dk1" tx2="lt2" accent1="accent1" accent2="accent2" accent3="accent3" accent4="accent4" accent5="accent5" accent6="accent6" hlink="hlink" folHlink="folHlink"/>
+    </a:extraClrScheme>
+    <a:extraClrScheme>
+      <a:clrScheme name="Gear Drives 7">
+        <a:dk1>
+          <a:srgbClr val="5C1F00"/>
+        </a:dk1>
+        <a:lt1>
+          <a:srgbClr val="FFFFFF"/>
+        </a:lt1>
+        <a:dk2>
+          <a:srgbClr val="800000"/>
+        </a:dk2>
+        <a:lt2>
+          <a:srgbClr val="DFD293"/>
+        </a:lt2>
+        <a:accent1>
+          <a:srgbClr val="CC3300"/>
+        </a:accent1>
+        <a:accent2>
+          <a:srgbClr val="BE7960"/>
+        </a:accent2>
+        <a:accent3>
+          <a:srgbClr val="C0AAAA"/>
+        </a:accent3>
+        <a:accent4>
+          <a:srgbClr val="DADADA"/>
+        </a:accent4>
+        <a:accent5>
+          <a:srgbClr val="E2ADAA"/>
+        </a:accent5>
+        <a:accent6>
+          <a:srgbClr val="AC6D56"/>
+        </a:accent6>
+        <a:hlink>
+          <a:srgbClr val="FFFF99"/>
+        </a:hlink>
+        <a:folHlink>
+          <a:srgbClr val="D3A219"/>
+        </a:folHlink>
+      </a:clrScheme>
+      <a:clrMap bg1="dk2" tx1="lt1" bg2="dk1" tx2="lt2" accent1="accent1" accent2="accent2" accent3="accent3" accent4="accent4" accent5="accent5" accent6="accent6" hlink="hlink" folHlink="folHlink"/>
+    </a:extraClrScheme>
+    <a:extraClrScheme>
+      <a:clrScheme name="Gear Drives 8">
+        <a:dk1>
+          <a:srgbClr val="003366"/>
+        </a:dk1>
+        <a:lt1>
+          <a:srgbClr val="FFFFFF"/>
+        </a:lt1>
+        <a:dk2>
+          <a:srgbClr val="000099"/>
+        </a:dk2>
+        <a:lt2>
+          <a:srgbClr val="CCFFFF"/>
+        </a:lt2>
+        <a:accent1>
+          <a:srgbClr val="3366CC"/>
+        </a:accent1>
+        <a:accent2>
+          <a:srgbClr val="00B000"/>
+        </a:accent2>
+        <a:accent3>
+          <a:srgbClr val="AAAACA"/>
+        </a:accent3>
+        <a:accent4>
+          <a:srgbClr val="DADADA"/>
+        </a:accent4>
+        <a:accent5>
+          <a:srgbClr val="ADB8E2"/>
+        </a:accent5>
+        <a:accent6>
+          <a:srgbClr val="009F00"/>
+        </a:accent6>
+        <a:hlink>
+          <a:srgbClr val="66CCFF"/>
+        </a:hlink>
+        <a:folHlink>
+          <a:srgbClr val="FFE701"/>
+        </a:folHlink>
+      </a:clrScheme>
+      <a:clrMap bg1="dk2" tx1="lt1" bg2="dk1" tx2="lt2" accent1="accent1" accent2="accent2" accent3="accent3" accent4="accent4" accent5="accent5" accent6="accent6" hlink="hlink" folHlink="folHlink"/>
+    </a:extraClrScheme>
+    <a:extraClrScheme>
+      <a:clrScheme name="Gear Drives 9">
+        <a:dk1>
+          <a:srgbClr val="336699"/>
+        </a:dk1>
+        <a:lt1>
+          <a:srgbClr val="FFFFFF"/>
+        </a:lt1>
+        <a:dk2>
+          <a:srgbClr val="000000"/>
+        </a:dk2>
+        <a:lt2>
+          <a:srgbClr val="E3EBF1"/>
+        </a:lt2>
+        <a:accent1>
+          <a:srgbClr val="003399"/>
+        </a:accent1>
+        <a:accent2>
+          <a:srgbClr val="468A4B"/>
+        </a:accent2>
+        <a:accent3>
+          <a:srgbClr val="AAAAAA"/>
+        </a:accent3>
+        <a:accent4>
+          <a:srgbClr val="DADADA"/>
+        </a:accent4>
+        <a:accent5>
+          <a:srgbClr val="AAADCA"/>
+        </a:accent5>
+        <a:accent6>
+          <a:srgbClr val="3F7D43"/>
+        </a:accent6>
+        <a:hlink>
+          <a:srgbClr val="66CCFF"/>
+        </a:hlink>
+        <a:folHlink>
+          <a:srgbClr val="F0E500"/>
+        </a:folHlink>
+      </a:clrScheme>
+      <a:clrMap bg1="dk2" tx1="lt1" bg2="dk1" tx2="lt2" accent1="accent1" accent2="accent2" accent3="accent3" accent4="accent4" accent5="accent5" accent6="accent6" hlink="hlink" folHlink="folHlink"/>
+    </a:extraClrScheme>
+    <a:extraClrScheme>
+      <a:clrScheme name="Gear Drives 10">
+        <a:dk1>
+          <a:srgbClr val="777777"/>
+        </a:dk1>
+        <a:lt1>
+          <a:srgbClr val="FFFFFF"/>
+        </a:lt1>
+        <a:dk2>
+          <a:srgbClr val="686B5D"/>
+        </a:dk2>
+        <a:lt2>
+          <a:srgbClr val="D1D1CB"/>
+        </a:lt2>
+        <a:accent1>
+          <a:srgbClr val="909082"/>
+        </a:accent1>
+        <a:accent2>
+          <a:srgbClr val="809EA8"/>
+        </a:accent2>
+        <a:accent3>
+          <a:srgbClr val="B9BAB6"/>
+        </a:accent3>
+        <a:accent4>
+          <a:srgbClr val="DADADA"/>
+        </a:accent4>
+        <a:accent5>
+          <a:srgbClr val="C6C6C1"/>
+        </a:accent5>
+        <a:accent6>
+          <a:srgbClr val="738F98"/>
+        </a:accent6>
+        <a:hlink>
+          <a:srgbClr val="FFCC66"/>
+        </a:hlink>
+        <a:folHlink>
+          <a:srgbClr val="E9DCB9"/>
+        </a:folHlink>
+      </a:clrScheme>
+      <a:clrMap bg1="dk2" tx1="lt1" bg2="dk1" tx2="lt2" accent1="accent1" accent2="accent2" accent3="accent3" accent4="accent4" accent5="accent5" accent6="accent6" hlink="hlink" folHlink="folHlink"/>
+    </a:extraClrScheme>
+    <a:extraClrScheme>
+      <a:clrScheme name="Gear Drives 11">
+        <a:dk1>
+          <a:srgbClr val="3E3E5C"/>
+        </a:dk1>
+        <a:lt1>
+          <a:srgbClr val="FFFFFF"/>
+        </a:lt1>
+        <a:dk2>
+          <a:srgbClr val="666699"/>
+        </a:dk2>
+        <a:lt2>
+          <a:srgbClr val="FFFFFF"/>
+        </a:lt2>
+        <a:accent1>
+          <a:srgbClr val="60597B"/>
+        </a:accent1>
+        <a:accent2>
+          <a:srgbClr val="6666FF"/>
+        </a:accent2>
+        <a:accent3>
+          <a:srgbClr val="B8B8CA"/>
+        </a:accent3>
+        <a:accent4>
+          <a:srgbClr val="DADADA"/>
+        </a:accent4>
+        <a:accent5>
+          <a:srgbClr val="B6B5BF"/>
+        </a:accent5>
+        <a:accent6>
+          <a:srgbClr val="5C5CE7"/>
+        </a:accent6>
+        <a:hlink>
+          <a:srgbClr val="99CCFF"/>
+        </a:hlink>
+        <a:folHlink>
+          <a:srgbClr val="FFFF99"/>
+        </a:folHlink>
+      </a:clrScheme>
+      <a:clrMap bg1="dk2" tx1="lt1" bg2="dk1" tx2="lt2" accent1="accent1" accent2="accent2" accent3="accent3" accent4="accent4" accent5="accent5" accent6="accent6" hlink="hlink" folHlink="folHlink"/>
+    </a:extraClrScheme>
+    <a:extraClrScheme>
+      <a:clrScheme name="Gear Drives 12">
+        <a:dk1>
+          <a:srgbClr val="2D2015"/>
+        </a:dk1>
+        <a:lt1>
+          <a:srgbClr val="FFFFFF"/>
+        </a:lt1>
+        <a:dk2>
+          <a:srgbClr val="523E26"/>
+        </a:dk2>
+        <a:lt2>
+          <a:srgbClr val="DFC08D"/>
+        </a:lt2>
+        <a:accent1>
+          <a:srgbClr val="8C7B70"/>
+        </a:accent1>
+        <a:accent2>
+          <a:srgbClr val="8F5F2F"/>
+        </a:accent2>
+        <a:accent3>
+          <a:srgbClr val="B3AFAC"/>
+        </a:accent3>
+        <a:accent4>
+          <a:srgbClr val="DADADA"/>
+        </a:accent4>
+        <a:accent5>
+          <a:srgbClr val="C5BFBB"/>
+        </a:accent5>
+        <a:accent6>
+          <a:srgbClr val="81552A"/>
+        </a:accent6>
+        <a:hlink>
+          <a:srgbClr val="CCB400"/>
+        </a:hlink>
+        <a:folHlink>
+          <a:srgbClr val="8C9EA0"/>
+        </a:folHlink>
+      </a:clrScheme>
+      <a:clrMap bg1="dk2" tx1="lt1" bg2="dk1" tx2="lt2" accent1="accent1" accent2="accent2" accent3="accent3" accent4="accent4" accent5="accent5" accent6="accent6" hlink="hlink" folHlink="folHlink"/>
+    </a:extraClrScheme>
+    <a:extraClrScheme>
+      <a:clrScheme name="Gear Drives 13">
+        <a:dk1>
+          <a:srgbClr val="000000"/>
+        </a:dk1>
+        <a:lt1>
+          <a:srgbClr val="FFFFFF"/>
+        </a:lt1>
+        <a:dk2>
+          <a:srgbClr val="000000"/>
+        </a:dk2>
+        <a:lt2>
+          <a:srgbClr val="969696"/>
+        </a:lt2>
+        <a:accent1>
+          <a:srgbClr val="5F5F5F"/>
+        </a:accent1>
+        <a:accent2>
+          <a:srgbClr val="969696"/>
+        </a:accent2>
+        <a:accent3>
+          <a:srgbClr val="FFFFFF"/>
+        </a:accent3>
+        <a:accent4>
+          <a:srgbClr val="000000"/>
+        </a:accent4>
+        <a:accent5>
+          <a:srgbClr val="B6B6B6"/>
+        </a:accent5>
+        <a:accent6>
+          <a:srgbClr val="878787"/>
+        </a:accent6>
+        <a:hlink>
+          <a:srgbClr val="CC3300"/>
+        </a:hlink>
+        <a:folHlink>
+          <a:srgbClr val="996600"/>
+        </a:folHlink>
+      </a:clrScheme>
+      <a:clrMap bg1="lt1" tx1="dk1" bg2="lt2" tx2="dk2" accent1="accent1" accent2="accent2" accent3="accent3" accent4="accent4" accent5="accent5" accent6="accent6" hlink="hlink" folHlink="folHlink"/>
+    </a:extraClrScheme>
+  </a:extraClrSchemeLst>
   <a:extLst>
     <a:ext uri="{05A4C25C-085E-4340-85A3-A5531E510DB2}">
       <thm15:themeFamily xmlns:thm15="http://schemas.microsoft.com/office/thememl/2012/main" name="Office Theme" id="{62F939B6-93AF-4DB8-9C6B-D6C7DFDC589F}" vid="{4A3C46E8-61CC-4603-A589-7422A47A8E4A}"/>
